--- a/Assets/Class/Object Pooling/PPT Data/Object Pooling Example.pptx
+++ b/Assets/Class/Object Pooling/PPT Data/Object Pooling Example.pptx
@@ -2,7 +2,7 @@
 <file path=ppt/presentation.xml><?xml version="1.0" encoding="utf-8"?>
 <p:presentation xmlns:a="http://schemas.openxmlformats.org/drawingml/2006/main" xmlns:r="http://schemas.openxmlformats.org/officeDocument/2006/relationships" xmlns:p="http://schemas.openxmlformats.org/presentationml/2006/main" xmlns:p14="http://schemas.microsoft.com/office/powerpoint/2010/main" saveSubsetFonts="1" firstSlideNum="0">
   <p:sldMasterIdLst>
-    <p:sldMasterId id="2147485746" r:id="rId12"/>
+    <p:sldMasterId id="2147485748" r:id="rId12"/>
   </p:sldMasterIdLst>
   <p:notesMasterIdLst>
     <p:notesMasterId r:id="rId14"/>
@@ -6153,7 +6153,7 @@
 </file>
 
 <file path=ppt/slides/slide2.xml><?xml version="1.0" encoding="utf-8"?>
-<p:sld xmlns:a="http://schemas.openxmlformats.org/drawingml/2006/main" xmlns:r="http://schemas.openxmlformats.org/officeDocument/2006/relationships" xmlns:p="http://schemas.openxmlformats.org/presentationml/2006/main">
+<p:sld xmlns:a="http://schemas.openxmlformats.org/drawingml/2006/main" xmlns:r="http://schemas.openxmlformats.org/officeDocument/2006/relationships" xmlns:p="http://schemas.openxmlformats.org/presentationml/2006/main" xmlns:p14="http://schemas.microsoft.com/office/powerpoint/2010/main">
   <p:cSld>
     <p:spTree>
       <p:nvGrpSpPr>
@@ -6221,7 +6221,7 @@
       </p:sp>
       <p:sp>
         <p:nvSpPr>
-          <p:cNvPr id="1109" name="Rect 0"/>
+          <p:cNvPr id="1110" name="텍스트 상자 11"/>
           <p:cNvSpPr txBox="1">
             <a:spLocks/>
           </p:cNvSpPr>
@@ -6229,8 +6229,8 @@
         </p:nvSpPr>
         <p:spPr>
           <a:xfrm rot="0">
-            <a:off x="6810375" y="4264025"/>
-            <a:ext cx="4272915" cy="1754505"/>
+            <a:off x="1355090" y="1569085"/>
+            <a:ext cx="4015740" cy="2308225"/>
           </a:xfrm>
           <a:prstGeom prst="rect"/>
           <a:noFill/>
@@ -6254,14 +6254,7 @@
                 <a:latin typeface="맑은 고딕" charset="0"/>
                 <a:ea typeface="맑은 고딕" charset="0"/>
               </a:rPr>
-              <a:t>반복문을 사용하여 일정한 범위의 수만큼 게임 오브젝트 생성합니다</a:t>
-            </a:r>
-            <a:r>
-              <a:rPr lang="ko-KR" sz="1800">
-                <a:latin typeface="맑은 고딕" charset="0"/>
-                <a:ea typeface="맑은 고딕" charset="0"/>
-              </a:rPr>
-              <a:t>.</a:t>
+              <a:t>Object Pool이란?</a:t>
             </a:r>
             <a:endParaRPr lang="ko-KR" altLang="en-US" sz="1800">
               <a:latin typeface="맑은 고딕" charset="0"/>
@@ -6273,6 +6266,13 @@
               <a:buFontTx/>
               <a:buNone/>
             </a:pPr>
+            <a:r>
+              <a:rPr lang="ko-KR" sz="1800">
+                <a:latin typeface="맑은 고딕" charset="0"/>
+                <a:ea typeface="맑은 고딕" charset="0"/>
+              </a:rPr>
+              <a:t>게임 오브젝트를 생성하고 파괴하는 것이 아니라 일정한 범위의 메모리 공간을 설정합니다.</a:t>
+            </a:r>
             <a:endParaRPr lang="ko-KR" altLang="en-US" sz="1800">
               <a:latin typeface="맑은 고딕" charset="0"/>
               <a:ea typeface="맑은 고딕" charset="0"/>
@@ -6283,45 +6283,11 @@
               <a:buFontTx/>
               <a:buNone/>
             </a:pPr>
-            <a:r>
-              <a:rPr lang="ko-KR" sz="1800">
-                <a:latin typeface="맑은 고딕" charset="0"/>
-                <a:ea typeface="맑은 고딕" charset="0"/>
-              </a:rPr>
-              <a:t>그리고 위치와 회전 값을 설정하고 Queue에 저장한 다음 Queue에 저장한 게임 오브젝트 전체를 비활성화합니다.</a:t>
-            </a:r>
             <a:endParaRPr lang="ko-KR" altLang="en-US" sz="1800">
               <a:latin typeface="맑은 고딕" charset="0"/>
               <a:ea typeface="맑은 고딕" charset="0"/>
             </a:endParaRPr>
           </a:p>
-        </p:txBody>
-      </p:sp>
-      <p:sp>
-        <p:nvSpPr>
-          <p:cNvPr id="1110" name="텍스트 상자 11"/>
-          <p:cNvSpPr txBox="1">
-            <a:spLocks/>
-          </p:cNvSpPr>
-          <p:nvPr/>
-        </p:nvSpPr>
-        <p:spPr>
-          <a:xfrm rot="0">
-            <a:off x="1355090" y="1569085"/>
-            <a:ext cx="4015740" cy="2308225"/>
-          </a:xfrm>
-          <a:prstGeom prst="rect"/>
-          <a:noFill/>
-          <a:ln w="0">
-            <a:noFill/>
-            <a:prstDash/>
-          </a:ln>
-        </p:spPr>
-        <p:txBody>
-          <a:bodyPr wrap="square" lIns="89535" tIns="46355" rIns="89535" bIns="46355" numCol="1" vert="horz" anchor="t">
-            <a:spAutoFit/>
-          </a:bodyPr>
-          <a:lstStyle/>
           <a:p>
             <a:pPr marL="0" indent="0" algn="l" latinLnBrk="0" hangingPunct="1">
               <a:buFontTx/>
@@ -6332,62 +6298,18 @@
                 <a:latin typeface="맑은 고딕" charset="0"/>
                 <a:ea typeface="맑은 고딕" charset="0"/>
               </a:rPr>
-              <a:t>Object Pool이란?</a:t>
+              <a:t>그리고 일정한 범위가 정해져 있는 메모리 공간 안에서 게임 오브젝트를 사용하고 반납하는 기법입니다.</a:t>
             </a:r>
             <a:endParaRPr lang="ko-KR" altLang="en-US" sz="1800">
               <a:latin typeface="맑은 고딕" charset="0"/>
               <a:ea typeface="맑은 고딕" charset="0"/>
             </a:endParaRPr>
           </a:p>
-          <a:p>
-            <a:pPr marL="0" indent="0" algn="l" latinLnBrk="0" hangingPunct="1">
-              <a:buFontTx/>
-              <a:buNone/>
-            </a:pPr>
-            <a:r>
-              <a:rPr lang="ko-KR" sz="1800">
-                <a:latin typeface="맑은 고딕" charset="0"/>
-                <a:ea typeface="맑은 고딕" charset="0"/>
-              </a:rPr>
-              <a:t>게임 오브젝트를 생성하고 파괴하는 것이 아니라 일정한 범위의 메모리 공간을 설정합니다.</a:t>
-            </a:r>
-            <a:endParaRPr lang="ko-KR" altLang="en-US" sz="1800">
-              <a:latin typeface="맑은 고딕" charset="0"/>
-              <a:ea typeface="맑은 고딕" charset="0"/>
-            </a:endParaRPr>
-          </a:p>
-          <a:p>
-            <a:pPr marL="0" indent="0" algn="l" latinLnBrk="0" hangingPunct="1">
-              <a:buFontTx/>
-              <a:buNone/>
-            </a:pPr>
-            <a:endParaRPr lang="ko-KR" altLang="en-US" sz="1800">
-              <a:latin typeface="맑은 고딕" charset="0"/>
-              <a:ea typeface="맑은 고딕" charset="0"/>
-            </a:endParaRPr>
-          </a:p>
-          <a:p>
-            <a:pPr marL="0" indent="0" algn="l" latinLnBrk="0" hangingPunct="1">
-              <a:buFontTx/>
-              <a:buNone/>
-            </a:pPr>
-            <a:r>
-              <a:rPr lang="ko-KR" sz="1800">
-                <a:latin typeface="맑은 고딕" charset="0"/>
-                <a:ea typeface="맑은 고딕" charset="0"/>
-              </a:rPr>
-              <a:t>그리고 일정한 범위가 정해져 있는 메모리 공간 안에서 게임 오브젝트를 사용하고 반납하는 기법입니다.</a:t>
-            </a:r>
-            <a:endParaRPr lang="ko-KR" altLang="en-US" sz="1800">
-              <a:latin typeface="맑은 고딕" charset="0"/>
-              <a:ea typeface="맑은 고딕" charset="0"/>
-            </a:endParaRPr>
-          </a:p>
         </p:txBody>
       </p:sp>
       <p:pic>
         <p:nvPicPr>
-          <p:cNvPr id="1112" name="그림 24" descr="C:/Users/Admin1/AppData/Roaming/PolarisOffice/ETemp/2224_21539392/fImage1021853036500.png"/>
+          <p:cNvPr id="1112" name="그림 24"/>
           <p:cNvPicPr>
             <a:picLocks noChangeAspect="1"/>
           </p:cNvPicPr>
@@ -6416,7 +6338,7 @@
       </p:pic>
       <p:pic>
         <p:nvPicPr>
-          <p:cNvPr id="1113" name="그림 25" descr="C:/Users/Admin1/AppData/Roaming/PolarisOffice/ETemp/2224_21539392/fImage3728823049169.png"/>
+          <p:cNvPr id="1113" name="그림 25"/>
           <p:cNvPicPr>
             <a:picLocks noChangeAspect="1"/>
           </p:cNvPicPr>
@@ -6445,7 +6367,7 @@
       </p:pic>
       <p:pic>
         <p:nvPicPr>
-          <p:cNvPr id="1114" name="그림 26" descr="C:/Users/Admin1/AppData/Roaming/PolarisOffice/ETemp/2224_21539392/fImage3728823055724.png"/>
+          <p:cNvPr id="1114" name="그림 26"/>
           <p:cNvPicPr>
             <a:picLocks noChangeAspect="1"/>
           </p:cNvPicPr>
@@ -6474,7 +6396,7 @@
       </p:pic>
       <p:pic>
         <p:nvPicPr>
-          <p:cNvPr id="1115" name="그림 27" descr="C:/Users/Admin1/AppData/Roaming/PolarisOffice/ETemp/2224_21539392/fImage3728823061478.png"/>
+          <p:cNvPr id="1115" name="그림 27"/>
           <p:cNvPicPr>
             <a:picLocks noChangeAspect="1"/>
           </p:cNvPicPr>
@@ -6503,7 +6425,7 @@
       </p:pic>
       <p:pic>
         <p:nvPicPr>
-          <p:cNvPr id="1116" name="그림 28" descr="C:/Users/Admin1/AppData/Roaming/PolarisOffice/ETemp/2224_21539392/fImage3728823079358.png"/>
+          <p:cNvPr id="1116" name="그림 28"/>
           <p:cNvPicPr>
             <a:picLocks noChangeAspect="1"/>
           </p:cNvPicPr>
@@ -6577,7 +6499,7 @@
       </p:sp>
       <p:pic>
         <p:nvPicPr>
-          <p:cNvPr id="1118" name="그림 30" descr="C:/Users/Admin1/AppData/Roaming/PolarisOffice/ETemp/2224_21539392/fImage3728823096962.png"/>
+          <p:cNvPr id="1118" name="그림 30"/>
           <p:cNvPicPr>
             <a:picLocks noChangeAspect="1"/>
           </p:cNvPicPr>
@@ -6606,7 +6528,7 @@
       </p:pic>
       <p:pic>
         <p:nvPicPr>
-          <p:cNvPr id="1119" name="그림 31" descr="C:/Users/Admin1/AppData/Roaming/PolarisOffice/ETemp/2224_21539392/fImage3728823104464.png"/>
+          <p:cNvPr id="1119" name="그림 31"/>
           <p:cNvPicPr>
             <a:picLocks noChangeAspect="1"/>
           </p:cNvPicPr>
@@ -6635,7 +6557,7 @@
       </p:pic>
       <p:pic>
         <p:nvPicPr>
-          <p:cNvPr id="1120" name="그림 32" descr="C:/Users/Admin1/AppData/Roaming/PolarisOffice/ETemp/2224_21539392/fImage3728823115705.png"/>
+          <p:cNvPr id="1120" name="그림 32"/>
           <p:cNvPicPr>
             <a:picLocks noChangeAspect="1"/>
           </p:cNvPicPr>
@@ -6707,35 +6629,6 @@
           </a:p>
         </p:txBody>
       </p:sp>
-      <p:pic>
-        <p:nvPicPr>
-          <p:cNvPr id="1122" name="그림 77" descr="C:/Users/Admin1/AppData/Roaming/PolarisOffice/ETemp/2224_21539392/fImage108673798145.png"/>
-          <p:cNvPicPr>
-            <a:picLocks noChangeAspect="1"/>
-          </p:cNvPicPr>
-          <p:nvPr/>
-        </p:nvPicPr>
-        <p:blipFill rotWithShape="1">
-          <a:blip r:embed="rId10" cstate="print">
-            <a:extLst>
-              <a:ext uri="{28A0092B-C50C-407E-A947-70E740481C1C}">
-                <a14:useLocalDpi xmlns:a14="http://schemas.microsoft.com/office/drawing/2010/main" val="0"/>
-              </a:ext>
-            </a:extLst>
-          </a:blip>
-          <a:stretch>
-            <a:fillRect/>
-          </a:stretch>
-        </p:blipFill>
-        <p:spPr>
-          <a:xfrm rot="0">
-            <a:off x="6819900" y="1490345"/>
-            <a:ext cx="4272280" cy="2653665"/>
-          </a:xfrm>
-          <a:prstGeom prst="rect"/>
-          <a:noFill/>
-        </p:spPr>
-      </p:pic>
     </p:spTree>
   </p:cSld>
   <p:clrMapOvr>

--- a/Assets/Class/Object Pooling/PPT Data/Object Pooling Example.pptx
+++ b/Assets/Class/Object Pooling/PPT Data/Object Pooling Example.pptx
@@ -2,14 +2,14 @@
 <file path=ppt/presentation.xml><?xml version="1.0" encoding="utf-8"?>
 <p:presentation xmlns:a="http://schemas.openxmlformats.org/drawingml/2006/main" xmlns:r="http://schemas.openxmlformats.org/officeDocument/2006/relationships" xmlns:p="http://schemas.openxmlformats.org/presentationml/2006/main" xmlns:p14="http://schemas.microsoft.com/office/powerpoint/2010/main" saveSubsetFonts="1" firstSlideNum="0">
   <p:sldMasterIdLst>
-    <p:sldMasterId id="2147485748" r:id="rId12"/>
+    <p:sldMasterId id="2147485755" r:id="rId12"/>
   </p:sldMasterIdLst>
   <p:notesMasterIdLst>
     <p:notesMasterId r:id="rId14"/>
   </p:notesMasterIdLst>
   <p:sldIdLst>
     <p:sldId id="293" r:id="rId16"/>
-    <p:sldId id="302" r:id="rId18"/>
+    <p:sldId id="302" r:id="rId17"/>
   </p:sldIdLst>
   <p:sldSz cx="12192000" cy="6858000"/>
   <p:notesSz cx="6858000" cy="9144000"/>
@@ -5754,8 +5754,8 @@
         </p:nvSpPr>
         <p:spPr>
           <a:xfrm rot="0">
-            <a:off x="6863715" y="4577715"/>
-            <a:ext cx="4442460" cy="1508125"/>
+            <a:off x="6855460" y="2673350"/>
+            <a:ext cx="4093210" cy="677545"/>
           </a:xfrm>
           <a:prstGeom prst="rect"/>
           <a:noFill/>
@@ -5799,101 +5799,25 @@
                 <a:latin typeface="맑은 고딕" charset="0"/>
                 <a:ea typeface="맑은 고딕" charset="0"/>
               </a:rPr>
-              <a:t>그다음</a:t>
+              <a:t>그다음 </a:t>
             </a:r>
             <a:r>
               <a:rPr lang="ko-KR" sz="1800">
                 <a:latin typeface="맑은 고딕" charset="0"/>
                 <a:ea typeface="맑은 고딕" charset="0"/>
               </a:rPr>
-              <a:t> </a:t>
-            </a:r>
-            <a:r>
-              <a:rPr lang="ko-KR" sz="1800">
-                <a:latin typeface="맑은 고딕" charset="0"/>
-                <a:ea typeface="맑은 고딕" charset="0"/>
-              </a:rPr>
-              <a:t>Window에서</a:t>
-            </a:r>
-            <a:r>
-              <a:rPr lang="ko-KR" sz="1800">
-                <a:latin typeface="맑은 고딕" charset="0"/>
-                <a:ea typeface="맑은 고딕" charset="0"/>
-              </a:rPr>
-              <a:t> </a:t>
-            </a:r>
-            <a:r>
-              <a:rPr lang="ko-KR" sz="1800">
-                <a:latin typeface="맑은 고딕" charset="0"/>
-                <a:ea typeface="맑은 고딕" charset="0"/>
-              </a:rPr>
-              <a:t>Asset</a:t>
-            </a:r>
-            <a:r>
-              <a:rPr lang="ko-KR" sz="1800">
-                <a:latin typeface="맑은 고딕" charset="0"/>
-                <a:ea typeface="맑은 고딕" charset="0"/>
-              </a:rPr>
-              <a:t> </a:t>
-            </a:r>
-            <a:r>
-              <a:rPr lang="ko-KR" sz="1800">
-                <a:latin typeface="맑은 고딕" charset="0"/>
-                <a:ea typeface="맑은 고딕" charset="0"/>
-              </a:rPr>
-              <a:t>Store를</a:t>
-            </a:r>
-            <a:r>
-              <a:rPr lang="ko-KR" sz="1800">
-                <a:latin typeface="맑은 고딕" charset="0"/>
-                <a:ea typeface="맑은 고딕" charset="0"/>
-              </a:rPr>
-              <a:t> </a:t>
-            </a:r>
-            <a:r>
-              <a:rPr lang="ko-KR" sz="1800">
-                <a:latin typeface="맑은 고딕" charset="0"/>
-                <a:ea typeface="맑은 고딕" charset="0"/>
-              </a:rPr>
-              <a:t>선택합니다. </a:t>
+              <a:t>Main Camera 오브젝트의 위치와 회전 값을 설정합니다.</a:t>
             </a:r>
             <a:endParaRPr lang="ko-KR" altLang="en-US" sz="1800">
               <a:latin typeface="맑은 고딕" charset="0"/>
               <a:ea typeface="맑은 고딕" charset="0"/>
             </a:endParaRPr>
           </a:p>
-          <a:p>
-            <a:pPr marL="0" indent="0" algn="l" latinLnBrk="0" hangingPunct="1">
-              <a:buFontTx/>
-              <a:buNone/>
-            </a:pPr>
-            <a:endParaRPr lang="ko-KR" altLang="en-US" sz="1800">
-              <a:latin typeface="맑은 고딕" charset="0"/>
-              <a:ea typeface="맑은 고딕" charset="0"/>
-            </a:endParaRPr>
-          </a:p>
-          <a:p>
-            <a:pPr marL="0" indent="0" algn="l" latinLnBrk="0" hangingPunct="1">
-              <a:buFontTx/>
-              <a:buNone/>
-            </a:pPr>
-            <a:r>
-              <a:rPr lang="ko-KR" sz="1800">
-                <a:latin typeface="맑은 고딕" charset="0"/>
-                <a:ea typeface="맑은 고딕" charset="0"/>
-              </a:rPr>
-              <a:t>그리고 Asset Store에서 Stones를 검색하고 Stones 에셋을 선택합니다.</a:t>
-            </a:r>
-            <a:endParaRPr lang="ko-KR" altLang="en-US" sz="1800">
-              <a:latin typeface="맑은 고딕" charset="0"/>
-              <a:ea typeface="맑은 고딕" charset="0"/>
-            </a:endParaRPr>
-          </a:p>
         </p:txBody>
       </p:sp>
       <p:pic>
         <p:nvPicPr>
-          <p:cNvPr id="1042" name="그림 58"/>
+          <p:cNvPr id="1042" name="그림 58" descr="C:/Users/Admin1/AppData/Roaming/PolarisOffice/ETemp/4220_21810040/fImage850627641.png"/>
           <p:cNvPicPr>
             <a:picLocks noChangeAspect="1"/>
           </p:cNvPicPr>
@@ -5914,7 +5838,7 @@
         <p:spPr>
           <a:xfrm rot="0">
             <a:off x="1472565" y="1279525"/>
-            <a:ext cx="2036445" cy="2835910"/>
+            <a:ext cx="2211070" cy="2428875"/>
           </a:xfrm>
           <a:prstGeom prst="roundRect"/>
           <a:solidFill>
@@ -5932,8 +5856,8 @@
         </p:nvSpPr>
         <p:spPr>
           <a:xfrm rot="0">
-            <a:off x="1465580" y="4300220"/>
-            <a:ext cx="3888740" cy="1784985"/>
+            <a:off x="1473835" y="3850640"/>
+            <a:ext cx="3889375" cy="2338705"/>
           </a:xfrm>
           <a:prstGeom prst="rect"/>
           <a:noFill/>
@@ -5967,7 +5891,21 @@
                 <a:latin typeface="맑은 고딕" charset="0"/>
                 <a:ea typeface="맑은 고딕" charset="0"/>
               </a:rPr>
-              <a:t>빈 게임 오브젝트를 생성하고 이름을 Create Object로 정의합니다. </a:t>
+              <a:t>빈 게임 오브젝트를 생성하고 이름을 </a:t>
+            </a:r>
+            <a:r>
+              <a:rPr lang="ko-KR" sz="1800">
+                <a:latin typeface="맑은 고딕" charset="0"/>
+                <a:ea typeface="맑은 고딕" charset="0"/>
+              </a:rPr>
+              <a:t>Object Pool Manager</a:t>
+            </a:r>
+            <a:r>
+              <a:rPr lang="ko-KR" sz="1800">
+                <a:latin typeface="맑은 고딕" charset="0"/>
+                <a:ea typeface="맑은 고딕" charset="0"/>
+              </a:rPr>
+              <a:t>로 정의합니다. </a:t>
             </a:r>
             <a:endParaRPr lang="ko-KR" altLang="en-US" sz="1800">
               <a:latin typeface="맑은 고딕" charset="0"/>
@@ -5994,7 +5932,35 @@
                 <a:latin typeface="맑은 고딕" charset="0"/>
                 <a:ea typeface="맑은 고딕" charset="0"/>
               </a:rPr>
-              <a:t>그리고 스크립트를 생성하고 Create라는 이름으로 설정하고 Create Object에 넣어줍니다.</a:t>
+              <a:t>그리고 스크립트를 생성하고 </a:t>
+            </a:r>
+            <a:r>
+              <a:rPr lang="ko-KR" sz="1800">
+                <a:latin typeface="맑은 고딕" charset="0"/>
+                <a:ea typeface="맑은 고딕" charset="0"/>
+              </a:rPr>
+              <a:t>ObjectPoolManager</a:t>
+            </a:r>
+            <a:r>
+              <a:rPr lang="ko-KR" sz="1800">
+                <a:latin typeface="맑은 고딕" charset="0"/>
+                <a:ea typeface="맑은 고딕" charset="0"/>
+              </a:rPr>
+              <a:t>라는 이름으로 설정하고 </a:t>
+            </a:r>
+            <a:r>
+              <a:rPr lang="ko-KR" sz="1800">
+                <a:latin typeface="맑은 고딕" charset="0"/>
+                <a:ea typeface="맑은 고딕" charset="0"/>
+              </a:rPr>
+              <a:t>Object Pool Manager 오브젝트</a:t>
+            </a:r>
+            <a:r>
+              <a:rPr lang="ko-KR" sz="1800">
+                <a:latin typeface="맑은 고딕" charset="0"/>
+                <a:ea typeface="맑은 고딕" charset="0"/>
+              </a:rPr>
+              <a:t>에 넣어줍니다.</a:t>
             </a:r>
             <a:endParaRPr lang="ko-KR" altLang="en-US" sz="1800">
               <a:latin typeface="맑은 고딕" charset="0"/>
@@ -6005,17 +5971,17 @@
       </p:sp>
       <p:pic>
         <p:nvPicPr>
-          <p:cNvPr id="1045" name="그림 65" descr="C:/Users/Admin1/AppData/Roaming/PolarisOffice/ETemp/16684_11126392/fImage28282796334.png"/>
+          <p:cNvPr id="1049" name="그림 1" descr="C:/Users/Admin1/AppData/Roaming/PolarisOffice/ETemp/4220_21810040/fImage50875641.png"/>
           <p:cNvPicPr>
             <a:picLocks noChangeAspect="1"/>
           </p:cNvPicPr>
           <p:nvPr/>
         </p:nvPicPr>
         <p:blipFill rotWithShape="1">
-          <a:blip r:embed="rId4" cstate="hqprint">
+          <a:blip r:embed="rId9" cstate="print">
             <a:extLst>
               <a:ext uri="{28A0092B-C50C-407E-A947-70E740481C1C}">
-                <a14:useLocalDpi xmlns:a14="http://schemas.microsoft.com/office/drawing/2010/main"/>
+                <a14:useLocalDpi xmlns:a14="http://schemas.microsoft.com/office/drawing/2010/main" val="0"/>
               </a:ext>
             </a:extLst>
           </a:blip>
@@ -6025,8 +5991,8 @@
         </p:blipFill>
         <p:spPr>
           <a:xfrm rot="0">
-            <a:off x="4198620" y="3383280"/>
-            <a:ext cx="682625" cy="740410"/>
+            <a:off x="3874135" y="1282065"/>
+            <a:ext cx="1488440" cy="1303655"/>
           </a:xfrm>
           <a:prstGeom prst="roundRect"/>
           <a:solidFill>
@@ -6034,23 +6000,55 @@
           </a:solidFill>
         </p:spPr>
       </p:pic>
+      <p:pic>
+        <p:nvPicPr>
+          <p:cNvPr id="1050" name="그림 4" descr="C:/Users/Admin1/AppData/Roaming/PolarisOffice/ETemp/4220_21810040/fImage2360578467.png"/>
+          <p:cNvPicPr>
+            <a:picLocks noChangeAspect="1"/>
+          </p:cNvPicPr>
+          <p:nvPr/>
+        </p:nvPicPr>
+        <p:blipFill rotWithShape="1">
+          <a:blip r:embed="rId10" cstate="print">
+            <a:extLst>
+              <a:ext uri="{28A0092B-C50C-407E-A947-70E740481C1C}">
+                <a14:useLocalDpi xmlns:a14="http://schemas.microsoft.com/office/drawing/2010/main" val="0"/>
+              </a:ext>
+            </a:extLst>
+          </a:blip>
+          <a:stretch>
+            <a:fillRect/>
+          </a:stretch>
+        </p:blipFill>
+        <p:spPr>
+          <a:xfrm rot="0">
+            <a:off x="4239895" y="2899410"/>
+            <a:ext cx="765175" cy="810260"/>
+          </a:xfrm>
+          <a:prstGeom prst="roundRect"/>
+          <a:solidFill>
+            <a:srgbClr val="EDEDED"/>
+          </a:solidFill>
+        </p:spPr>
+      </p:pic>
       <p:cxnSp>
         <p:nvCxnSpPr>
-          <p:cNvPr id="1046" name="도형 68"/>
+          <p:cNvPr id="1051" name="도형 7"/>
           <p:cNvCxnSpPr>
-            <a:stCxn id="1045" idx="0"/>
+            <a:stCxn id="1050" idx="0"/>
             <a:endCxn id="1049" idx="2"/>
           </p:cNvCxnSpPr>
           <p:nvPr/>
         </p:nvCxnSpPr>
         <p:spPr>
-          <a:xfrm rot="0" flipV="1">
-            <a:off x="4539615" y="2950845"/>
-            <a:ext cx="2540" cy="433070"/>
+          <a:xfrm rot="0" flipH="1" flipV="1">
+            <a:off x="4617720" y="2585085"/>
+            <a:ext cx="5080" cy="314960"/>
           </a:xfrm>
           <a:prstGeom prst="straightConnector1"/>
           <a:ln w="6350" cap="flat" cmpd="sng">
             <a:prstDash/>
+            <a:headEnd type="none" w="med" len="med"/>
             <a:tailEnd type="triangle" w="med" len="med"/>
           </a:ln>
         </p:spPr>
@@ -6071,43 +6069,14 @@
       </p:cxnSp>
       <p:pic>
         <p:nvPicPr>
-          <p:cNvPr id="1048" name="그림 71" descr="C:/Users/Admin1/AppData/Roaming/PolarisOffice/ETemp/16684_11126392/fImage4331572829169.png"/>
+          <p:cNvPr id="1052" name="그림 8" descr="C:/Users/Admin1/AppData/Roaming/PolarisOffice/ETemp/4220_21810040/fImage12218596334.png"/>
           <p:cNvPicPr>
             <a:picLocks noChangeAspect="1"/>
           </p:cNvPicPr>
           <p:nvPr/>
         </p:nvPicPr>
         <p:blipFill rotWithShape="1">
-          <a:blip r:embed="rId6" cstate="hqprint">
-            <a:extLst>
-              <a:ext uri="{28A0092B-C50C-407E-A947-70E740481C1C}">
-                <a14:useLocalDpi xmlns:a14="http://schemas.microsoft.com/office/drawing/2010/main"/>
-              </a:ext>
-            </a:extLst>
-          </a:blip>
-          <a:stretch>
-            <a:fillRect/>
-          </a:stretch>
-        </p:blipFill>
-        <p:spPr>
-          <a:xfrm rot="0">
-            <a:off x="6866890" y="1280160"/>
-            <a:ext cx="4431665" cy="3143885"/>
-          </a:xfrm>
-          <a:prstGeom prst="rect"/>
-          <a:noFill/>
-        </p:spPr>
-      </p:pic>
-      <p:pic>
-        <p:nvPicPr>
-          <p:cNvPr id="1049" name="그림 1" descr="C:/Users/Admin1/AppData/Roaming/PolarisOffice/ETemp/16684_11126392/fImage453129141.png"/>
-          <p:cNvPicPr>
-            <a:picLocks noChangeAspect="1"/>
-          </p:cNvPicPr>
-          <p:nvPr/>
-        </p:nvPicPr>
-        <p:blipFill rotWithShape="1">
-          <a:blip r:embed="rId8" cstate="print">
+          <a:blip r:embed="rId11" cstate="print">
             <a:extLst>
               <a:ext uri="{28A0092B-C50C-407E-A947-70E740481C1C}">
                 <a14:useLocalDpi xmlns:a14="http://schemas.microsoft.com/office/drawing/2010/main" val="0"/>
@@ -6120,8 +6089,8 @@
         </p:blipFill>
         <p:spPr>
           <a:xfrm rot="0">
-            <a:off x="3769995" y="1278890"/>
-            <a:ext cx="1543685" cy="1672590"/>
+            <a:off x="6862445" y="1273810"/>
+            <a:ext cx="4086225" cy="1320165"/>
           </a:xfrm>
           <a:prstGeom prst="roundRect"/>
           <a:solidFill>
@@ -6229,8 +6198,8 @@
         </p:nvSpPr>
         <p:spPr>
           <a:xfrm rot="0">
-            <a:off x="1355090" y="1569085"/>
-            <a:ext cx="4015740" cy="2308225"/>
+            <a:off x="1222375" y="1461135"/>
+            <a:ext cx="4157345" cy="4799965"/>
           </a:xfrm>
           <a:prstGeom prst="rect"/>
           <a:noFill/>
@@ -6271,7 +6240,7 @@
                 <a:latin typeface="맑은 고딕" charset="0"/>
                 <a:ea typeface="맑은 고딕" charset="0"/>
               </a:rPr>
-              <a:t>게임 오브젝트를 생성하고 파괴하는 것이 아니라 일정한 범위의 메모리 공간을 설정합니다.</a:t>
+              <a:t>미리 특정한 메모리 크기를 설정하고 게임 오브젝트 생성 및 파괴 시 확보된 공간을 사용하고 회수하는 기법입니다.</a:t>
             </a:r>
             <a:endParaRPr lang="ko-KR" altLang="en-US" sz="1800">
               <a:latin typeface="맑은 고딕" charset="0"/>
@@ -6293,30 +6262,110 @@
               <a:buFontTx/>
               <a:buNone/>
             </a:pPr>
-            <a:r>
-              <a:rPr lang="ko-KR" sz="1800">
-                <a:latin typeface="맑은 고딕" charset="0"/>
-                <a:ea typeface="맑은 고딕" charset="0"/>
-              </a:rPr>
-              <a:t>그리고 일정한 범위가 정해져 있는 메모리 공간 안에서 게임 오브젝트를 사용하고 반납하는 기법입니다.</a:t>
-            </a:r>
             <a:endParaRPr lang="ko-KR" altLang="en-US" sz="1800">
               <a:latin typeface="맑은 고딕" charset="0"/>
               <a:ea typeface="맑은 고딕" charset="0"/>
             </a:endParaRPr>
           </a:p>
+          <a:p>
+            <a:pPr marL="0" indent="0" algn="l" latinLnBrk="0" hangingPunct="1">
+              <a:buFontTx/>
+              <a:buNone/>
+            </a:pPr>
+            <a:endParaRPr lang="ko-KR" altLang="en-US" sz="1800">
+              <a:latin typeface="맑은 고딕" charset="0"/>
+              <a:ea typeface="맑은 고딕" charset="0"/>
+            </a:endParaRPr>
+          </a:p>
+          <a:p>
+            <a:pPr marL="0" indent="0" algn="l" latinLnBrk="0" hangingPunct="1">
+              <a:buFontTx/>
+              <a:buNone/>
+            </a:pPr>
+            <a:endParaRPr lang="ko-KR" altLang="en-US" sz="1800">
+              <a:latin typeface="맑은 고딕" charset="0"/>
+              <a:ea typeface="맑은 고딕" charset="0"/>
+            </a:endParaRPr>
+          </a:p>
+          <a:p>
+            <a:pPr marL="0" indent="0" algn="l" latinLnBrk="0" hangingPunct="1">
+              <a:buFontTx/>
+              <a:buNone/>
+            </a:pPr>
+            <a:endParaRPr lang="ko-KR" altLang="en-US" sz="1800">
+              <a:latin typeface="맑은 고딕" charset="0"/>
+              <a:ea typeface="맑은 고딕" charset="0"/>
+            </a:endParaRPr>
+          </a:p>
+          <a:p>
+            <a:pPr marL="0" indent="0" algn="l" latinLnBrk="0" hangingPunct="1">
+              <a:buFontTx/>
+              <a:buNone/>
+            </a:pPr>
+            <a:endParaRPr lang="ko-KR" altLang="en-US" sz="1800">
+              <a:latin typeface="맑은 고딕" charset="0"/>
+              <a:ea typeface="맑은 고딕" charset="0"/>
+            </a:endParaRPr>
+          </a:p>
+          <a:p>
+            <a:pPr marL="0" indent="0" algn="l" latinLnBrk="0" hangingPunct="1">
+              <a:buFontTx/>
+              <a:buNone/>
+            </a:pPr>
+            <a:endParaRPr lang="ko-KR" altLang="en-US" sz="1800">
+              <a:latin typeface="맑은 고딕" charset="0"/>
+              <a:ea typeface="맑은 고딕" charset="0"/>
+            </a:endParaRPr>
+          </a:p>
+          <a:p>
+            <a:pPr marL="0" indent="0" algn="l" latinLnBrk="0" hangingPunct="1">
+              <a:buFontTx/>
+              <a:buNone/>
+            </a:pPr>
+            <a:endParaRPr lang="ko-KR" altLang="en-US" sz="1800">
+              <a:latin typeface="맑은 고딕" charset="0"/>
+              <a:ea typeface="맑은 고딕" charset="0"/>
+            </a:endParaRPr>
+          </a:p>
+          <a:p>
+            <a:pPr marL="0" indent="0" algn="l" latinLnBrk="0" hangingPunct="1">
+              <a:buFontTx/>
+              <a:buNone/>
+            </a:pPr>
+            <a:endParaRPr lang="ko-KR" altLang="en-US" sz="1800">
+              <a:latin typeface="맑은 고딕" charset="0"/>
+              <a:ea typeface="맑은 고딕" charset="0"/>
+            </a:endParaRPr>
+          </a:p>
+          <a:p>
+            <a:pPr marL="0" indent="0" algn="l" latinLnBrk="0" hangingPunct="1">
+              <a:buFontTx/>
+              <a:buNone/>
+            </a:pPr>
+            <a:r>
+              <a:rPr lang="ko-KR" sz="1800">
+                <a:latin typeface="맑은 고딕" charset="0"/>
+                <a:ea typeface="맑은 고딕" charset="0"/>
+              </a:rPr>
+              <a:t>게임 오브젝트를 생성하고 파괴하는 과정을 반복하다 보면 메모리에 저장할 공간이 있어도 저장할 수 없는 메모리 단편화 현상이 발생할 수 있습니다.</a:t>
+            </a:r>
+            <a:endParaRPr lang="ko-KR" altLang="en-US" sz="1800">
+              <a:latin typeface="맑은 고딕" charset="0"/>
+              <a:ea typeface="맑은 고딕" charset="0"/>
+            </a:endParaRPr>
+          </a:p>
         </p:txBody>
       </p:sp>
       <p:pic>
         <p:nvPicPr>
-          <p:cNvPr id="1112" name="그림 24"/>
+          <p:cNvPr id="1111" name="그림 11" descr="C:/Users/Admin1/AppData/Roaming/PolarisOffice/ETemp/4220_21810040/fImage405330606500.png"/>
           <p:cNvPicPr>
             <a:picLocks noChangeAspect="1"/>
           </p:cNvPicPr>
           <p:nvPr/>
         </p:nvPicPr>
         <p:blipFill rotWithShape="1">
-          <a:blip r:embed="rId2" cstate="print">
+          <a:blip r:embed="rId12" cstate="print">
             <a:extLst>
               <a:ext uri="{28A0092B-C50C-407E-A947-70E740481C1C}">
                 <a14:useLocalDpi xmlns:a14="http://schemas.microsoft.com/office/drawing/2010/main" val="0"/>
@@ -6329,23 +6378,25 @@
         </p:blipFill>
         <p:spPr>
           <a:xfrm rot="0">
-            <a:off x="1363345" y="4106545"/>
-            <a:ext cx="1297305" cy="1654810"/>
-          </a:xfrm>
-          <a:prstGeom prst="rect"/>
-          <a:noFill/>
+            <a:off x="6808470" y="1471295"/>
+            <a:ext cx="4140200" cy="2918460"/>
+          </a:xfrm>
+          <a:prstGeom prst="roundRect"/>
+          <a:solidFill>
+            <a:srgbClr val="EDEDED"/>
+          </a:solidFill>
         </p:spPr>
       </p:pic>
       <p:pic>
         <p:nvPicPr>
-          <p:cNvPr id="1113" name="그림 25"/>
+          <p:cNvPr id="1112" name="그림 20" descr="C:/Users/Admin1/AppData/Roaming/PolarisOffice/ETemp/4220_21810040/fImage141634639169.png"/>
           <p:cNvPicPr>
             <a:picLocks noChangeAspect="1"/>
           </p:cNvPicPr>
           <p:nvPr/>
         </p:nvPicPr>
         <p:blipFill rotWithShape="1">
-          <a:blip r:embed="rId3" cstate="print">
+          <a:blip r:embed="rId13" cstate="print">
             <a:extLst>
               <a:ext uri="{28A0092B-C50C-407E-A947-70E740481C1C}">
                 <a14:useLocalDpi xmlns:a14="http://schemas.microsoft.com/office/drawing/2010/main" val="0"/>
@@ -6358,277 +6409,15 @@
         </p:blipFill>
         <p:spPr>
           <a:xfrm rot="0">
-            <a:off x="1486535" y="4679950"/>
-            <a:ext cx="475615" cy="349885"/>
-          </a:xfrm>
-          <a:prstGeom prst="rect"/>
-          <a:noFill/>
+            <a:off x="1230630" y="2834005"/>
+            <a:ext cx="4148455" cy="2070735"/>
+          </a:xfrm>
+          <a:prstGeom prst="roundRect"/>
+          <a:solidFill>
+            <a:srgbClr val="EDEDED"/>
+          </a:solidFill>
         </p:spPr>
       </p:pic>
-      <p:pic>
-        <p:nvPicPr>
-          <p:cNvPr id="1114" name="그림 26"/>
-          <p:cNvPicPr>
-            <a:picLocks noChangeAspect="1"/>
-          </p:cNvPicPr>
-          <p:nvPr/>
-        </p:nvPicPr>
-        <p:blipFill rotWithShape="1">
-          <a:blip r:embed="rId4" cstate="print">
-            <a:extLst>
-              <a:ext uri="{28A0092B-C50C-407E-A947-70E740481C1C}">
-                <a14:useLocalDpi xmlns:a14="http://schemas.microsoft.com/office/drawing/2010/main" val="0"/>
-              </a:ext>
-            </a:extLst>
-          </a:blip>
-          <a:stretch>
-            <a:fillRect/>
-          </a:stretch>
-        </p:blipFill>
-        <p:spPr>
-          <a:xfrm rot="0">
-            <a:off x="2015490" y="4843145"/>
-            <a:ext cx="475615" cy="349885"/>
-          </a:xfrm>
-          <a:prstGeom prst="rect"/>
-          <a:noFill/>
-        </p:spPr>
-      </p:pic>
-      <p:pic>
-        <p:nvPicPr>
-          <p:cNvPr id="1115" name="그림 27"/>
-          <p:cNvPicPr>
-            <a:picLocks noChangeAspect="1"/>
-          </p:cNvPicPr>
-          <p:nvPr/>
-        </p:nvPicPr>
-        <p:blipFill rotWithShape="1">
-          <a:blip r:embed="rId5" cstate="print">
-            <a:extLst>
-              <a:ext uri="{28A0092B-C50C-407E-A947-70E740481C1C}">
-                <a14:useLocalDpi xmlns:a14="http://schemas.microsoft.com/office/drawing/2010/main" val="0"/>
-              </a:ext>
-            </a:extLst>
-          </a:blip>
-          <a:stretch>
-            <a:fillRect/>
-          </a:stretch>
-        </p:blipFill>
-        <p:spPr>
-          <a:xfrm rot="0">
-            <a:off x="1521460" y="5147945"/>
-            <a:ext cx="475615" cy="349885"/>
-          </a:xfrm>
-          <a:prstGeom prst="rect"/>
-          <a:noFill/>
-        </p:spPr>
-      </p:pic>
-      <p:pic>
-        <p:nvPicPr>
-          <p:cNvPr id="1116" name="그림 28"/>
-          <p:cNvPicPr>
-            <a:picLocks noChangeAspect="1"/>
-          </p:cNvPicPr>
-          <p:nvPr/>
-        </p:nvPicPr>
-        <p:blipFill rotWithShape="1">
-          <a:blip r:embed="rId6" cstate="print">
-            <a:extLst>
-              <a:ext uri="{28A0092B-C50C-407E-A947-70E740481C1C}">
-                <a14:useLocalDpi xmlns:a14="http://schemas.microsoft.com/office/drawing/2010/main" val="0"/>
-              </a:ext>
-            </a:extLst>
-          </a:blip>
-          <a:stretch>
-            <a:fillRect/>
-          </a:stretch>
-        </p:blipFill>
-        <p:spPr>
-          <a:xfrm rot="0">
-            <a:off x="2009140" y="5293995"/>
-            <a:ext cx="475615" cy="349885"/>
-          </a:xfrm>
-          <a:prstGeom prst="rect"/>
-          <a:noFill/>
-        </p:spPr>
-      </p:pic>
-      <p:sp>
-        <p:nvSpPr>
-          <p:cNvPr id="1117" name="도형 29"/>
-          <p:cNvSpPr>
-            <a:spLocks/>
-          </p:cNvSpPr>
-          <p:nvPr/>
-        </p:nvSpPr>
-        <p:spPr>
-          <a:xfrm rot="0">
-            <a:off x="1978660" y="4231005"/>
-            <a:ext cx="2951480" cy="532765"/>
-          </a:xfrm>
-          <a:prstGeom prst="curvedDownArrow"/>
-        </p:spPr>
-        <p:style>
-          <a:lnRef idx="2">
-            <a:schemeClr val="accent1">
-              <a:shade val="50000"/>
-            </a:schemeClr>
-          </a:lnRef>
-          <a:fillRef idx="1">
-            <a:schemeClr val="accent1"/>
-          </a:fillRef>
-          <a:effectRef idx="0">
-            <a:schemeClr val="accent1"/>
-          </a:effectRef>
-          <a:fontRef idx="minor">
-            <a:schemeClr val="lt1"/>
-          </a:fontRef>
-        </p:style>
-        <p:txBody>
-          <a:bodyPr wrap="square" lIns="91440" tIns="45720" rIns="91440" bIns="45720" vert="horz" anchor="ctr">
-            <a:noAutofit/>
-          </a:bodyPr>
-          <a:lstStyle/>
-          <a:p>
-            <a:pPr marL="0" indent="0" algn="ctr" hangingPunct="1"/>
-            <a:endParaRPr lang="ko-KR" altLang="en-US" sz="1800">
-              <a:latin typeface="맑은 고딕" charset="0"/>
-              <a:ea typeface="맑은 고딕" charset="0"/>
-            </a:endParaRPr>
-          </a:p>
-        </p:txBody>
-      </p:sp>
-      <p:pic>
-        <p:nvPicPr>
-          <p:cNvPr id="1118" name="그림 30"/>
-          <p:cNvPicPr>
-            <a:picLocks noChangeAspect="1"/>
-          </p:cNvPicPr>
-          <p:nvPr/>
-        </p:nvPicPr>
-        <p:blipFill rotWithShape="1">
-          <a:blip r:embed="rId7" cstate="print">
-            <a:extLst>
-              <a:ext uri="{28A0092B-C50C-407E-A947-70E740481C1C}">
-                <a14:useLocalDpi xmlns:a14="http://schemas.microsoft.com/office/drawing/2010/main" val="0"/>
-              </a:ext>
-            </a:extLst>
-          </a:blip>
-          <a:stretch>
-            <a:fillRect/>
-          </a:stretch>
-        </p:blipFill>
-        <p:spPr>
-          <a:xfrm rot="0">
-            <a:off x="4356735" y="5055870"/>
-            <a:ext cx="475615" cy="349885"/>
-          </a:xfrm>
-          <a:prstGeom prst="rect"/>
-          <a:noFill/>
-        </p:spPr>
-      </p:pic>
-      <p:pic>
-        <p:nvPicPr>
-          <p:cNvPr id="1119" name="그림 31"/>
-          <p:cNvPicPr>
-            <a:picLocks noChangeAspect="1"/>
-          </p:cNvPicPr>
-          <p:nvPr/>
-        </p:nvPicPr>
-        <p:blipFill rotWithShape="1">
-          <a:blip r:embed="rId8" cstate="print">
-            <a:extLst>
-              <a:ext uri="{28A0092B-C50C-407E-A947-70E740481C1C}">
-                <a14:useLocalDpi xmlns:a14="http://schemas.microsoft.com/office/drawing/2010/main" val="0"/>
-              </a:ext>
-            </a:extLst>
-          </a:blip>
-          <a:stretch>
-            <a:fillRect/>
-          </a:stretch>
-        </p:blipFill>
-        <p:spPr>
-          <a:xfrm rot="0">
-            <a:off x="4827270" y="5401945"/>
-            <a:ext cx="475615" cy="349885"/>
-          </a:xfrm>
-          <a:prstGeom prst="rect"/>
-          <a:noFill/>
-        </p:spPr>
-      </p:pic>
-      <p:pic>
-        <p:nvPicPr>
-          <p:cNvPr id="1120" name="그림 32"/>
-          <p:cNvPicPr>
-            <a:picLocks noChangeAspect="1"/>
-          </p:cNvPicPr>
-          <p:nvPr/>
-        </p:nvPicPr>
-        <p:blipFill rotWithShape="1">
-          <a:blip r:embed="rId9" cstate="print">
-            <a:extLst>
-              <a:ext uri="{28A0092B-C50C-407E-A947-70E740481C1C}">
-                <a14:useLocalDpi xmlns:a14="http://schemas.microsoft.com/office/drawing/2010/main" val="0"/>
-              </a:ext>
-            </a:extLst>
-          </a:blip>
-          <a:stretch>
-            <a:fillRect/>
-          </a:stretch>
-        </p:blipFill>
-        <p:spPr>
-          <a:xfrm rot="0">
-            <a:off x="4949190" y="4916805"/>
-            <a:ext cx="475615" cy="349885"/>
-          </a:xfrm>
-          <a:prstGeom prst="rect"/>
-          <a:noFill/>
-        </p:spPr>
-      </p:pic>
-      <p:sp>
-        <p:nvSpPr>
-          <p:cNvPr id="1121" name="도형 33"/>
-          <p:cNvSpPr>
-            <a:spLocks/>
-          </p:cNvSpPr>
-          <p:nvPr/>
-        </p:nvSpPr>
-        <p:spPr>
-          <a:xfrm rot="0" flipH="1" flipV="1">
-            <a:off x="1884045" y="5616575"/>
-            <a:ext cx="2951480" cy="532765"/>
-          </a:xfrm>
-          <a:prstGeom prst="curvedDownArrow"/>
-        </p:spPr>
-        <p:style>
-          <a:lnRef idx="2">
-            <a:schemeClr val="accent1">
-              <a:shade val="50000"/>
-            </a:schemeClr>
-          </a:lnRef>
-          <a:fillRef idx="1">
-            <a:schemeClr val="accent1"/>
-          </a:fillRef>
-          <a:effectRef idx="0">
-            <a:schemeClr val="accent1"/>
-          </a:effectRef>
-          <a:fontRef idx="minor">
-            <a:schemeClr val="lt1"/>
-          </a:fontRef>
-        </p:style>
-        <p:txBody>
-          <a:bodyPr wrap="square" lIns="91440" tIns="45720" rIns="91440" bIns="45720" vert="horz" anchor="ctr">
-            <a:noAutofit/>
-          </a:bodyPr>
-          <a:lstStyle/>
-          <a:p>
-            <a:pPr marL="0" indent="0" algn="ctr" hangingPunct="1"/>
-            <a:endParaRPr lang="ko-KR" altLang="en-US" sz="1800">
-              <a:latin typeface="맑은 고딕" charset="0"/>
-              <a:ea typeface="맑은 고딕" charset="0"/>
-            </a:endParaRPr>
-          </a:p>
-        </p:txBody>
-      </p:sp>
     </p:spTree>
   </p:cSld>
   <p:clrMapOvr>

--- a/Assets/Class/Object Pooling/PPT Data/Object Pooling Example.pptx
+++ b/Assets/Class/Object Pooling/PPT Data/Object Pooling Example.pptx
@@ -2,14 +2,17 @@
 <file path=ppt/presentation.xml><?xml version="1.0" encoding="utf-8"?>
 <p:presentation xmlns:a="http://schemas.openxmlformats.org/drawingml/2006/main" xmlns:r="http://schemas.openxmlformats.org/officeDocument/2006/relationships" xmlns:p="http://schemas.openxmlformats.org/presentationml/2006/main" xmlns:p14="http://schemas.microsoft.com/office/powerpoint/2010/main" saveSubsetFonts="1" firstSlideNum="0">
   <p:sldMasterIdLst>
-    <p:sldMasterId id="2147485755" r:id="rId12"/>
+    <p:sldMasterId id="2147485767" r:id="rId12"/>
   </p:sldMasterIdLst>
   <p:notesMasterIdLst>
     <p:notesMasterId r:id="rId14"/>
   </p:notesMasterIdLst>
   <p:sldIdLst>
     <p:sldId id="293" r:id="rId16"/>
-    <p:sldId id="302" r:id="rId17"/>
+    <p:sldId id="303" r:id="rId17"/>
+    <p:sldId id="304" r:id="rId18"/>
+    <p:sldId id="305" r:id="rId19"/>
+    <p:sldId id="302" r:id="rId20"/>
   </p:sldIdLst>
   <p:sldSz cx="12192000" cy="6858000"/>
   <p:notesSz cx="6858000" cy="9144000"/>
@@ -640,6 +643,432 @@
         <p:spPr>
           <a:xfrm rot="0">
             <a:off x="685800" y="1143000"/>
+            <a:ext cx="5490210" cy="3089910"/>
+          </a:xfrm>
+          <a:prstGeom prst="rect"/>
+          <a:noFill/>
+          <a:ln w="12700" cap="flat" cmpd="sng">
+            <a:solidFill>
+              <a:srgbClr val="000000">
+                <a:alpha val="100000"/>
+              </a:srgbClr>
+            </a:solidFill>
+            <a:prstDash val="solid"/>
+          </a:ln>
+        </p:spPr>
+        <p:txBody>
+          <a:bodyPr wrap="square" lIns="91440" tIns="45720" rIns="91440" bIns="45720" numCol="1" vert="horz" anchor="ctr">
+            <a:noAutofit/>
+          </a:bodyPr>
+          <a:lstStyle/>
+          <a:p>
+            <a:pPr marL="0" indent="0" latinLnBrk="0">
+              <a:buFontTx/>
+              <a:buNone/>
+            </a:pPr>
+          </a:p>
+        </p:txBody>
+      </p:sp>
+      <p:sp>
+        <p:nvSpPr>
+          <p:cNvPr id="3" name="슬라이드 노트 개체 틀 4"/>
+          <p:cNvSpPr txBox="1">
+            <a:spLocks/>
+          </p:cNvSpPr>
+          <p:nvPr>
+            <p:ph type="body" idx="3"/>
+          </p:nvPr>
+        </p:nvSpPr>
+        <p:spPr>
+          <a:xfrm rot="0">
+            <a:off x="685800" y="4400550"/>
+            <a:ext cx="5490210" cy="3604260"/>
+          </a:xfrm>
+          <a:prstGeom prst="rect"/>
+        </p:spPr>
+        <p:txBody>
+          <a:bodyPr wrap="square" lIns="91440" tIns="45720" rIns="91440" bIns="45720" numCol="1" vert="horz" anchor="t">
+            <a:noAutofit/>
+          </a:bodyPr>
+          <a:lstStyle/>
+          <a:p>
+            <a:pPr marL="0" indent="0" latinLnBrk="0">
+              <a:buFontTx/>
+              <a:buNone/>
+            </a:pPr>
+          </a:p>
+        </p:txBody>
+      </p:sp>
+      <p:sp>
+        <p:nvSpPr>
+          <p:cNvPr id="4" name="슬라이드 번호 개체 틀 6"/>
+          <p:cNvSpPr txBox="1">
+            <a:spLocks/>
+          </p:cNvSpPr>
+          <p:nvPr>
+            <p:ph type="sldNum" idx="5"/>
+          </p:nvPr>
+        </p:nvSpPr>
+        <p:spPr>
+          <a:xfrm rot="0">
+            <a:off x="3884930" y="8685530"/>
+            <a:ext cx="2975610" cy="462280"/>
+          </a:xfrm>
+          <a:prstGeom prst="rect"/>
+        </p:spPr>
+        <p:txBody>
+          <a:bodyPr wrap="square" lIns="91440" tIns="45720" rIns="91440" bIns="45720" numCol="1" vert="horz" anchor="b">
+            <a:noAutofit/>
+          </a:bodyPr>
+          <a:lstStyle>
+            <a:lvl1pPr marL="0" indent="0" algn="r" latinLnBrk="0">
+              <a:buFontTx/>
+              <a:buNone/>
+              <a:defRPr lang="en-GB" altLang="en-US" sz="1200"/>
+            </a:lvl1pPr>
+          </a:lstStyle>
+          <a:p>
+            <a:pPr marL="0" indent="0" latinLnBrk="0">
+              <a:buFontTx/>
+              <a:buNone/>
+            </a:pPr>
+            <a:fld id="{B9320F77-B9A0-41C5-862A-B4B631284C64}" type="slidenum">
+              <a:rPr lang="ko-KR" altLang="en-US"/>
+              <a:t>‹#›</a:t>
+            </a:fld>
+          </a:p>
+        </p:txBody>
+      </p:sp>
+    </p:spTree>
+  </p:cSld>
+  <p:clrMapOvr>
+    <a:masterClrMapping/>
+  </p:clrMapOvr>
+  <mc:AlternateContent xmlns:mc="http://schemas.openxmlformats.org/markup-compatibility/2006">
+    <mc:Choice xmlns:p14="http://schemas.microsoft.com/office/powerpoint/2010/main" Requires="p14">
+      <p:transition spd="slow" p14:dur="0"/>
+    </mc:Choice>
+    <mc:Fallback>
+      <p:transition spd="slow"/>
+    </mc:Fallback>
+  </mc:AlternateContent>
+</p:notes>
+</file>
+
+<file path=ppt/notesSlides/notesSlide3.xml><?xml version="1.0" encoding="utf-8"?>
+<p:notes xmlns:a="http://schemas.openxmlformats.org/drawingml/2006/main" xmlns:r="http://schemas.openxmlformats.org/officeDocument/2006/relationships" xmlns:p="http://schemas.openxmlformats.org/presentationml/2006/main">
+  <p:cSld>
+    <p:spTree>
+      <p:nvGrpSpPr>
+        <p:cNvPr id="1" name=""/>
+        <p:cNvGrpSpPr/>
+        <p:nvPr/>
+      </p:nvGrpSpPr>
+      <p:grpSpPr>
+        <a:xfrm>
+          <a:off x="0" y="0"/>
+          <a:ext cx="0" cy="0"/>
+          <a:chOff x="0" y="0"/>
+          <a:chExt cx="0" cy="0"/>
+        </a:xfrm>
+      </p:grpSpPr>
+      <p:sp>
+        <p:nvSpPr>
+          <p:cNvPr id="2" name="슬라이드 이미지 개체 틀 3"/>
+          <p:cNvSpPr>
+            <a:spLocks noChangeAspect="1"/>
+          </p:cNvSpPr>
+          <p:nvPr>
+            <p:ph type="sldImg" idx="2"/>
+          </p:nvPr>
+        </p:nvSpPr>
+        <p:spPr>
+          <a:xfrm rot="0">
+            <a:off x="685800" y="1143000"/>
+            <a:ext cx="5490210" cy="3089910"/>
+          </a:xfrm>
+          <a:prstGeom prst="rect"/>
+          <a:noFill/>
+          <a:ln w="12700" cap="flat" cmpd="sng">
+            <a:solidFill>
+              <a:srgbClr val="000000">
+                <a:alpha val="100000"/>
+              </a:srgbClr>
+            </a:solidFill>
+            <a:prstDash val="solid"/>
+          </a:ln>
+        </p:spPr>
+        <p:txBody>
+          <a:bodyPr wrap="square" lIns="91440" tIns="45720" rIns="91440" bIns="45720" numCol="1" vert="horz" anchor="ctr">
+            <a:noAutofit/>
+          </a:bodyPr>
+          <a:lstStyle/>
+          <a:p>
+            <a:pPr marL="0" indent="0" latinLnBrk="0">
+              <a:buFontTx/>
+              <a:buNone/>
+            </a:pPr>
+          </a:p>
+        </p:txBody>
+      </p:sp>
+      <p:sp>
+        <p:nvSpPr>
+          <p:cNvPr id="3" name="슬라이드 노트 개체 틀 4"/>
+          <p:cNvSpPr txBox="1">
+            <a:spLocks/>
+          </p:cNvSpPr>
+          <p:nvPr>
+            <p:ph type="body" idx="3"/>
+          </p:nvPr>
+        </p:nvSpPr>
+        <p:spPr>
+          <a:xfrm rot="0">
+            <a:off x="685800" y="4400550"/>
+            <a:ext cx="5490210" cy="3604260"/>
+          </a:xfrm>
+          <a:prstGeom prst="rect"/>
+        </p:spPr>
+        <p:txBody>
+          <a:bodyPr wrap="square" lIns="91440" tIns="45720" rIns="91440" bIns="45720" numCol="1" vert="horz" anchor="t">
+            <a:noAutofit/>
+          </a:bodyPr>
+          <a:lstStyle/>
+          <a:p>
+            <a:pPr marL="0" indent="0" latinLnBrk="0">
+              <a:buFontTx/>
+              <a:buNone/>
+            </a:pPr>
+          </a:p>
+        </p:txBody>
+      </p:sp>
+      <p:sp>
+        <p:nvSpPr>
+          <p:cNvPr id="4" name="슬라이드 번호 개체 틀 6"/>
+          <p:cNvSpPr txBox="1">
+            <a:spLocks/>
+          </p:cNvSpPr>
+          <p:nvPr>
+            <p:ph type="sldNum" idx="5"/>
+          </p:nvPr>
+        </p:nvSpPr>
+        <p:spPr>
+          <a:xfrm rot="0">
+            <a:off x="3884930" y="8685530"/>
+            <a:ext cx="2975610" cy="462280"/>
+          </a:xfrm>
+          <a:prstGeom prst="rect"/>
+        </p:spPr>
+        <p:txBody>
+          <a:bodyPr wrap="square" lIns="91440" tIns="45720" rIns="91440" bIns="45720" numCol="1" vert="horz" anchor="b">
+            <a:noAutofit/>
+          </a:bodyPr>
+          <a:lstStyle>
+            <a:lvl1pPr marL="0" indent="0" algn="r" latinLnBrk="0">
+              <a:buFontTx/>
+              <a:buNone/>
+              <a:defRPr lang="en-GB" altLang="en-US" sz="1200"/>
+            </a:lvl1pPr>
+          </a:lstStyle>
+          <a:p>
+            <a:pPr marL="0" indent="0" latinLnBrk="0">
+              <a:buFontTx/>
+              <a:buNone/>
+            </a:pPr>
+            <a:fld id="{B9320F77-B9A0-41C5-862A-B4B631284C64}" type="slidenum">
+              <a:rPr lang="ko-KR" altLang="en-US"/>
+              <a:t>‹#›</a:t>
+            </a:fld>
+          </a:p>
+        </p:txBody>
+      </p:sp>
+    </p:spTree>
+  </p:cSld>
+  <p:clrMapOvr>
+    <a:masterClrMapping/>
+  </p:clrMapOvr>
+  <mc:AlternateContent xmlns:mc="http://schemas.openxmlformats.org/markup-compatibility/2006">
+    <mc:Choice xmlns:p14="http://schemas.microsoft.com/office/powerpoint/2010/main" Requires="p14">
+      <p:transition spd="slow" p14:dur="0"/>
+    </mc:Choice>
+    <mc:Fallback>
+      <p:transition spd="slow"/>
+    </mc:Fallback>
+  </mc:AlternateContent>
+</p:notes>
+</file>
+
+<file path=ppt/notesSlides/notesSlide4.xml><?xml version="1.0" encoding="utf-8"?>
+<p:notes xmlns:a="http://schemas.openxmlformats.org/drawingml/2006/main" xmlns:r="http://schemas.openxmlformats.org/officeDocument/2006/relationships" xmlns:p="http://schemas.openxmlformats.org/presentationml/2006/main">
+  <p:cSld>
+    <p:spTree>
+      <p:nvGrpSpPr>
+        <p:cNvPr id="1" name=""/>
+        <p:cNvGrpSpPr/>
+        <p:nvPr/>
+      </p:nvGrpSpPr>
+      <p:grpSpPr>
+        <a:xfrm>
+          <a:off x="0" y="0"/>
+          <a:ext cx="0" cy="0"/>
+          <a:chOff x="0" y="0"/>
+          <a:chExt cx="0" cy="0"/>
+        </a:xfrm>
+      </p:grpSpPr>
+      <p:sp>
+        <p:nvSpPr>
+          <p:cNvPr id="2" name="슬라이드 이미지 개체 틀 3"/>
+          <p:cNvSpPr>
+            <a:spLocks noChangeAspect="1"/>
+          </p:cNvSpPr>
+          <p:nvPr>
+            <p:ph type="sldImg" idx="2"/>
+          </p:nvPr>
+        </p:nvSpPr>
+        <p:spPr>
+          <a:xfrm rot="0">
+            <a:off x="685800" y="1143000"/>
+            <a:ext cx="5490210" cy="3089910"/>
+          </a:xfrm>
+          <a:prstGeom prst="rect"/>
+          <a:noFill/>
+          <a:ln w="12700" cap="flat" cmpd="sng">
+            <a:solidFill>
+              <a:srgbClr val="000000">
+                <a:alpha val="100000"/>
+              </a:srgbClr>
+            </a:solidFill>
+            <a:prstDash val="solid"/>
+          </a:ln>
+        </p:spPr>
+        <p:txBody>
+          <a:bodyPr wrap="square" lIns="91440" tIns="45720" rIns="91440" bIns="45720" numCol="1" vert="horz" anchor="ctr">
+            <a:noAutofit/>
+          </a:bodyPr>
+          <a:lstStyle/>
+          <a:p>
+            <a:pPr marL="0" indent="0" latinLnBrk="0">
+              <a:buFontTx/>
+              <a:buNone/>
+            </a:pPr>
+          </a:p>
+        </p:txBody>
+      </p:sp>
+      <p:sp>
+        <p:nvSpPr>
+          <p:cNvPr id="3" name="슬라이드 노트 개체 틀 4"/>
+          <p:cNvSpPr txBox="1">
+            <a:spLocks/>
+          </p:cNvSpPr>
+          <p:nvPr>
+            <p:ph type="body" idx="3"/>
+          </p:nvPr>
+        </p:nvSpPr>
+        <p:spPr>
+          <a:xfrm rot="0">
+            <a:off x="685800" y="4400550"/>
+            <a:ext cx="5490210" cy="3604260"/>
+          </a:xfrm>
+          <a:prstGeom prst="rect"/>
+        </p:spPr>
+        <p:txBody>
+          <a:bodyPr wrap="square" lIns="91440" tIns="45720" rIns="91440" bIns="45720" numCol="1" vert="horz" anchor="t">
+            <a:noAutofit/>
+          </a:bodyPr>
+          <a:lstStyle/>
+          <a:p>
+            <a:pPr marL="0" indent="0" latinLnBrk="0">
+              <a:buFontTx/>
+              <a:buNone/>
+            </a:pPr>
+          </a:p>
+        </p:txBody>
+      </p:sp>
+      <p:sp>
+        <p:nvSpPr>
+          <p:cNvPr id="4" name="슬라이드 번호 개체 틀 6"/>
+          <p:cNvSpPr txBox="1">
+            <a:spLocks/>
+          </p:cNvSpPr>
+          <p:nvPr>
+            <p:ph type="sldNum" idx="5"/>
+          </p:nvPr>
+        </p:nvSpPr>
+        <p:spPr>
+          <a:xfrm rot="0">
+            <a:off x="3884930" y="8685530"/>
+            <a:ext cx="2975610" cy="462280"/>
+          </a:xfrm>
+          <a:prstGeom prst="rect"/>
+        </p:spPr>
+        <p:txBody>
+          <a:bodyPr wrap="square" lIns="91440" tIns="45720" rIns="91440" bIns="45720" numCol="1" vert="horz" anchor="b">
+            <a:noAutofit/>
+          </a:bodyPr>
+          <a:lstStyle>
+            <a:lvl1pPr marL="0" indent="0" algn="r" latinLnBrk="0">
+              <a:buFontTx/>
+              <a:buNone/>
+              <a:defRPr lang="en-GB" altLang="en-US" sz="1200"/>
+            </a:lvl1pPr>
+          </a:lstStyle>
+          <a:p>
+            <a:pPr marL="0" indent="0" latinLnBrk="0">
+              <a:buFontTx/>
+              <a:buNone/>
+            </a:pPr>
+            <a:fld id="{B9320F77-B9A0-41C5-862A-B4B631284C64}" type="slidenum">
+              <a:rPr lang="ko-KR" altLang="en-US"/>
+              <a:t>‹#›</a:t>
+            </a:fld>
+          </a:p>
+        </p:txBody>
+      </p:sp>
+    </p:spTree>
+  </p:cSld>
+  <p:clrMapOvr>
+    <a:masterClrMapping/>
+  </p:clrMapOvr>
+  <mc:AlternateContent xmlns:mc="http://schemas.openxmlformats.org/markup-compatibility/2006">
+    <mc:Choice xmlns:p14="http://schemas.microsoft.com/office/powerpoint/2010/main" Requires="p14">
+      <p:transition spd="slow" p14:dur="0"/>
+    </mc:Choice>
+    <mc:Fallback>
+      <p:transition spd="slow"/>
+    </mc:Fallback>
+  </mc:AlternateContent>
+</p:notes>
+</file>
+
+<file path=ppt/notesSlides/notesSlide5.xml><?xml version="1.0" encoding="utf-8"?>
+<p:notes xmlns:a="http://schemas.openxmlformats.org/drawingml/2006/main" xmlns:r="http://schemas.openxmlformats.org/officeDocument/2006/relationships" xmlns:p="http://schemas.openxmlformats.org/presentationml/2006/main">
+  <p:cSld>
+    <p:spTree>
+      <p:nvGrpSpPr>
+        <p:cNvPr id="1" name=""/>
+        <p:cNvGrpSpPr/>
+        <p:nvPr/>
+      </p:nvGrpSpPr>
+      <p:grpSpPr>
+        <a:xfrm>
+          <a:off x="0" y="0"/>
+          <a:ext cx="0" cy="0"/>
+          <a:chOff x="0" y="0"/>
+          <a:chExt cx="0" cy="0"/>
+        </a:xfrm>
+      </p:grpSpPr>
+      <p:sp>
+        <p:nvSpPr>
+          <p:cNvPr id="2" name="슬라이드 이미지 개체 틀 3"/>
+          <p:cNvSpPr>
+            <a:spLocks noChangeAspect="1"/>
+          </p:cNvSpPr>
+          <p:nvPr>
+            <p:ph type="sldImg" idx="2"/>
+          </p:nvPr>
+        </p:nvSpPr>
+        <p:spPr>
+          <a:xfrm rot="0">
+            <a:off x="685800" y="1143000"/>
             <a:ext cx="5489575" cy="3089275"/>
           </a:xfrm>
           <a:prstGeom prst="rect"/>
@@ -5754,8 +6183,8 @@
         </p:nvSpPr>
         <p:spPr>
           <a:xfrm rot="0">
-            <a:off x="6855460" y="2673350"/>
-            <a:ext cx="4093210" cy="677545"/>
+            <a:off x="6855460" y="3072765"/>
+            <a:ext cx="4093845" cy="678180"/>
           </a:xfrm>
           <a:prstGeom prst="rect"/>
           <a:noFill/>
@@ -5799,7 +6228,14 @@
                 <a:latin typeface="맑은 고딕" charset="0"/>
                 <a:ea typeface="맑은 고딕" charset="0"/>
               </a:rPr>
-              <a:t>그다음 </a:t>
+              <a:t>그다음</a:t>
+            </a:r>
+            <a:r>
+              <a:rPr lang="ko-KR" sz="1800">
+                <a:latin typeface="맑은 고딕" charset="0"/>
+                <a:ea typeface="맑은 고딕" charset="0"/>
+              </a:rPr>
+              <a:t> </a:t>
             </a:r>
             <a:r>
               <a:rPr lang="ko-KR" sz="1800">
@@ -5817,7 +6253,7 @@
       </p:sp>
       <p:pic>
         <p:nvPicPr>
-          <p:cNvPr id="1042" name="그림 58" descr="C:/Users/Admin1/AppData/Roaming/PolarisOffice/ETemp/4220_21810040/fImage850627641.png"/>
+          <p:cNvPr id="1042" name="그림 58" descr="C:/Users/Admin1/AppData/Roaming/PolarisOffice/ETemp/18808_8120280/fImage850627641.png"/>
           <p:cNvPicPr>
             <a:picLocks noChangeAspect="1"/>
           </p:cNvPicPr>
@@ -5837,8 +6273,8 @@
         </p:blipFill>
         <p:spPr>
           <a:xfrm rot="0">
-            <a:off x="1472565" y="1279525"/>
-            <a:ext cx="2211070" cy="2428875"/>
+            <a:off x="1222375" y="1279525"/>
+            <a:ext cx="2660650" cy="2429510"/>
           </a:xfrm>
           <a:prstGeom prst="roundRect"/>
           <a:solidFill>
@@ -5856,8 +6292,8 @@
         </p:nvSpPr>
         <p:spPr>
           <a:xfrm rot="0">
-            <a:off x="1473835" y="3850640"/>
-            <a:ext cx="3889375" cy="2338705"/>
+            <a:off x="1221740" y="3858895"/>
+            <a:ext cx="4150360" cy="2338705"/>
           </a:xfrm>
           <a:prstGeom prst="rect"/>
           <a:noFill/>
@@ -5891,21 +6327,14 @@
                 <a:latin typeface="맑은 고딕" charset="0"/>
                 <a:ea typeface="맑은 고딕" charset="0"/>
               </a:rPr>
-              <a:t>빈 게임 오브젝트를 생성하고 이름을 </a:t>
+              <a:t>첫번째로</a:t>
             </a:r>
             <a:r>
               <a:rPr lang="ko-KR" sz="1800">
                 <a:latin typeface="맑은 고딕" charset="0"/>
                 <a:ea typeface="맑은 고딕" charset="0"/>
               </a:rPr>
-              <a:t>Object Pool Manager</a:t>
-            </a:r>
-            <a:r>
-              <a:rPr lang="ko-KR" sz="1800">
-                <a:latin typeface="맑은 고딕" charset="0"/>
-                <a:ea typeface="맑은 고딕" charset="0"/>
-              </a:rPr>
-              <a:t>로 정의합니다. </a:t>
+              <a:t> 게임 오브젝트를 생성하고 이름을 Object Pool Manager로 정의합니다. </a:t>
             </a:r>
             <a:endParaRPr lang="ko-KR" altLang="en-US" sz="1800">
               <a:latin typeface="맑은 고딕" charset="0"/>
@@ -5932,35 +6361,7 @@
                 <a:latin typeface="맑은 고딕" charset="0"/>
                 <a:ea typeface="맑은 고딕" charset="0"/>
               </a:rPr>
-              <a:t>그리고 스크립트를 생성하고 </a:t>
-            </a:r>
-            <a:r>
-              <a:rPr lang="ko-KR" sz="1800">
-                <a:latin typeface="맑은 고딕" charset="0"/>
-                <a:ea typeface="맑은 고딕" charset="0"/>
-              </a:rPr>
-              <a:t>ObjectPoolManager</a:t>
-            </a:r>
-            <a:r>
-              <a:rPr lang="ko-KR" sz="1800">
-                <a:latin typeface="맑은 고딕" charset="0"/>
-                <a:ea typeface="맑은 고딕" charset="0"/>
-              </a:rPr>
-              <a:t>라는 이름으로 설정하고 </a:t>
-            </a:r>
-            <a:r>
-              <a:rPr lang="ko-KR" sz="1800">
-                <a:latin typeface="맑은 고딕" charset="0"/>
-                <a:ea typeface="맑은 고딕" charset="0"/>
-              </a:rPr>
-              <a:t>Object Pool Manager 오브젝트</a:t>
-            </a:r>
-            <a:r>
-              <a:rPr lang="ko-KR" sz="1800">
-                <a:latin typeface="맑은 고딕" charset="0"/>
-                <a:ea typeface="맑은 고딕" charset="0"/>
-              </a:rPr>
-              <a:t>에 넣어줍니다.</a:t>
+              <a:t>그리고 스크립트를 생성하고 ObjectPoolManager라는 이름으로 설정하고 Object Pool Manager 오브젝트에 넣어줍니다.</a:t>
             </a:r>
             <a:endParaRPr lang="ko-KR" altLang="en-US" sz="1800">
               <a:latin typeface="맑은 고딕" charset="0"/>
@@ -5971,17 +6372,17 @@
       </p:sp>
       <p:pic>
         <p:nvPicPr>
-          <p:cNvPr id="1049" name="그림 1" descr="C:/Users/Admin1/AppData/Roaming/PolarisOffice/ETemp/4220_21810040/fImage50875641.png"/>
+          <p:cNvPr id="1049" name="그림 1" descr="C:/Users/Admin1/AppData/Roaming/PolarisOffice/ETemp/18808_8120280/fImage50875641.png"/>
           <p:cNvPicPr>
             <a:picLocks noChangeAspect="1"/>
           </p:cNvPicPr>
           <p:nvPr/>
         </p:nvPicPr>
         <p:blipFill rotWithShape="1">
-          <a:blip r:embed="rId9" cstate="print">
+          <a:blip r:embed="rId9" cstate="hqprint">
             <a:extLst>
               <a:ext uri="{28A0092B-C50C-407E-A947-70E740481C1C}">
-                <a14:useLocalDpi xmlns:a14="http://schemas.microsoft.com/office/drawing/2010/main" val="0"/>
+                <a14:useLocalDpi xmlns:a14="http://schemas.microsoft.com/office/drawing/2010/main"/>
               </a:ext>
             </a:extLst>
           </a:blip>
@@ -5991,8 +6392,8 @@
         </p:blipFill>
         <p:spPr>
           <a:xfrm rot="0">
-            <a:off x="3874135" y="1282065"/>
-            <a:ext cx="1488440" cy="1303655"/>
+            <a:off x="4123055" y="1282065"/>
+            <a:ext cx="1240155" cy="1412240"/>
           </a:xfrm>
           <a:prstGeom prst="roundRect"/>
           <a:solidFill>
@@ -6002,17 +6403,17 @@
       </p:pic>
       <p:pic>
         <p:nvPicPr>
-          <p:cNvPr id="1050" name="그림 4" descr="C:/Users/Admin1/AppData/Roaming/PolarisOffice/ETemp/4220_21810040/fImage2360578467.png"/>
+          <p:cNvPr id="1050" name="그림 4" descr="C:/Users/Admin1/AppData/Roaming/PolarisOffice/ETemp/18808_8120280/fImage2360578467.png"/>
           <p:cNvPicPr>
             <a:picLocks noChangeAspect="1"/>
           </p:cNvPicPr>
           <p:nvPr/>
         </p:nvPicPr>
         <p:blipFill rotWithShape="1">
-          <a:blip r:embed="rId10" cstate="print">
+          <a:blip r:embed="rId10" cstate="hqprint">
             <a:extLst>
               <a:ext uri="{28A0092B-C50C-407E-A947-70E740481C1C}">
-                <a14:useLocalDpi xmlns:a14="http://schemas.microsoft.com/office/drawing/2010/main" val="0"/>
+                <a14:useLocalDpi xmlns:a14="http://schemas.microsoft.com/office/drawing/2010/main"/>
               </a:ext>
             </a:extLst>
           </a:blip>
@@ -6022,8 +6423,8 @@
         </p:blipFill>
         <p:spPr>
           <a:xfrm rot="0">
-            <a:off x="4239895" y="2899410"/>
-            <a:ext cx="765175" cy="810260"/>
+            <a:off x="4406265" y="3009265"/>
+            <a:ext cx="673735" cy="725805"/>
           </a:xfrm>
           <a:prstGeom prst="roundRect"/>
           <a:solidFill>
@@ -6041,14 +6442,13 @@
           <p:nvPr/>
         </p:nvCxnSpPr>
         <p:spPr>
-          <a:xfrm rot="0" flipH="1" flipV="1">
-            <a:off x="4617720" y="2585085"/>
-            <a:ext cx="5080" cy="314960"/>
+          <a:xfrm rot="0" flipV="1">
+            <a:off x="4742815" y="2693670"/>
+            <a:ext cx="635" cy="316230"/>
           </a:xfrm>
           <a:prstGeom prst="straightConnector1"/>
           <a:ln w="6350" cap="flat" cmpd="sng">
             <a:prstDash/>
-            <a:headEnd type="none" w="med" len="med"/>
             <a:tailEnd type="triangle" w="med" len="med"/>
           </a:ln>
         </p:spPr>
@@ -6069,14 +6469,45 @@
       </p:cxnSp>
       <p:pic>
         <p:nvPicPr>
-          <p:cNvPr id="1052" name="그림 8" descr="C:/Users/Admin1/AppData/Roaming/PolarisOffice/ETemp/4220_21810040/fImage12218596334.png"/>
+          <p:cNvPr id="1052" name="그림 8" descr="C:/Users/Admin1/AppData/Roaming/PolarisOffice/ETemp/18808_8120280/fImage12218596334.png"/>
           <p:cNvPicPr>
             <a:picLocks noChangeAspect="1"/>
           </p:cNvPicPr>
           <p:nvPr/>
         </p:nvPicPr>
         <p:blipFill rotWithShape="1">
-          <a:blip r:embed="rId11" cstate="print">
+          <a:blip r:embed="rId11" cstate="hqprint">
+            <a:extLst>
+              <a:ext uri="{28A0092B-C50C-407E-A947-70E740481C1C}">
+                <a14:useLocalDpi xmlns:a14="http://schemas.microsoft.com/office/drawing/2010/main"/>
+              </a:ext>
+            </a:extLst>
+          </a:blip>
+          <a:stretch>
+            <a:fillRect/>
+          </a:stretch>
+        </p:blipFill>
+        <p:spPr>
+          <a:xfrm rot="0">
+            <a:off x="6862445" y="1273810"/>
+            <a:ext cx="4086860" cy="1685925"/>
+          </a:xfrm>
+          <a:prstGeom prst="roundRect"/>
+          <a:solidFill>
+            <a:srgbClr val="EDEDED"/>
+          </a:solidFill>
+        </p:spPr>
+      </p:pic>
+      <p:pic>
+        <p:nvPicPr>
+          <p:cNvPr id="1053" name="그림 1" descr="C:/Users/Admin1/AppData/Roaming/PolarisOffice/ETemp/18808_8120280/fImage55234841.png"/>
+          <p:cNvPicPr>
+            <a:picLocks noChangeAspect="1"/>
+          </p:cNvPicPr>
+          <p:nvPr/>
+        </p:nvPicPr>
+        <p:blipFill rotWithShape="1">
+          <a:blip r:embed="rId12" cstate="print">
             <a:extLst>
               <a:ext uri="{28A0092B-C50C-407E-A947-70E740481C1C}">
                 <a14:useLocalDpi xmlns:a14="http://schemas.microsoft.com/office/drawing/2010/main" val="0"/>
@@ -6089,13 +6520,158 @@
         </p:blipFill>
         <p:spPr>
           <a:xfrm rot="0">
-            <a:off x="6862445" y="1273810"/>
-            <a:ext cx="4086225" cy="1320165"/>
+            <a:off x="8230235" y="3931920"/>
+            <a:ext cx="2714625" cy="1198245"/>
           </a:xfrm>
           <a:prstGeom prst="roundRect"/>
           <a:solidFill>
             <a:srgbClr val="EDEDED"/>
           </a:solidFill>
+        </p:spPr>
+      </p:pic>
+      <p:sp>
+        <p:nvSpPr>
+          <p:cNvPr id="1054" name="텍스트 상자 4"/>
+          <p:cNvSpPr txBox="1">
+            <a:spLocks/>
+          </p:cNvSpPr>
+          <p:nvPr/>
+        </p:nvSpPr>
+        <p:spPr>
+          <a:xfrm rot="0">
+            <a:off x="6860540" y="5231130"/>
+            <a:ext cx="4093845" cy="954405"/>
+          </a:xfrm>
+          <a:prstGeom prst="rect"/>
+          <a:noFill/>
+          <a:ln w="0">
+            <a:noFill/>
+            <a:prstDash/>
+          </a:ln>
+        </p:spPr>
+        <p:txBody>
+          <a:bodyPr wrap="square" lIns="89535" tIns="46355" rIns="89535" bIns="46355" numCol="1" vert="horz" anchor="t">
+            <a:spAutoFit/>
+          </a:bodyPr>
+          <a:lstStyle/>
+          <a:p>
+            <a:pPr marL="0" indent="0" algn="l" latinLnBrk="0" hangingPunct="1">
+              <a:buFontTx/>
+              <a:buNone/>
+            </a:pPr>
+            <a:r>
+              <a:rPr sz="2000" b="1">
+                <a:solidFill>
+                  <a:srgbClr val="0611F2"/>
+                </a:solidFill>
+                <a:latin typeface="맑은 고딕" charset="0"/>
+                <a:ea typeface="맑은 고딕" charset="0"/>
+              </a:rPr>
+              <a:t>3</a:t>
+            </a:r>
+            <a:r>
+              <a:rPr sz="2000" b="1">
+                <a:solidFill>
+                  <a:srgbClr val="0611F2"/>
+                </a:solidFill>
+                <a:latin typeface="맑은 고딕" charset="0"/>
+                <a:ea typeface="맑은 고딕" charset="0"/>
+              </a:rPr>
+              <a:t>. </a:t>
+            </a:r>
+            <a:r>
+              <a:rPr sz="1800">
+                <a:latin typeface="맑은 고딕" charset="0"/>
+                <a:ea typeface="맑은 고딕" charset="0"/>
+              </a:rPr>
+              <a:t>그런 다음 Project 폴더에 있는 Model 폴더에 </a:t>
+            </a:r>
+            <a:r>
+              <a:rPr sz="1800">
+                <a:latin typeface="맑은 고딕" charset="0"/>
+                <a:ea typeface="맑은 고딕" charset="0"/>
+              </a:rPr>
+              <a:t>FantasyB</a:t>
+            </a:r>
+            <a:r>
+              <a:rPr lang="ko-KR" sz="1800">
+                <a:latin typeface="맑은 고딕" charset="0"/>
+                <a:ea typeface="맑은 고딕" charset="0"/>
+              </a:rPr>
+              <a:t>ee 오브젝트</a:t>
+            </a:r>
+            <a:r>
+              <a:rPr sz="1800">
+                <a:latin typeface="맑은 고딕" charset="0"/>
+                <a:ea typeface="맑은 고딕" charset="0"/>
+              </a:rPr>
+              <a:t>를 월드 공간에 배치합니다.</a:t>
+            </a:r>
+            <a:endParaRPr lang="ko-KR" altLang="en-US" sz="1800">
+              <a:latin typeface="맑은 고딕" charset="0"/>
+              <a:ea typeface="맑은 고딕" charset="0"/>
+            </a:endParaRPr>
+          </a:p>
+        </p:txBody>
+      </p:sp>
+      <p:pic>
+        <p:nvPicPr>
+          <p:cNvPr id="1055" name="그림 5" descr="C:/Users/Admin1/AppData/Roaming/PolarisOffice/ETemp/18808_8120280/fImage6718508467.png"/>
+          <p:cNvPicPr>
+            <a:picLocks noChangeAspect="1"/>
+          </p:cNvPicPr>
+          <p:nvPr/>
+        </p:nvPicPr>
+        <p:blipFill rotWithShape="1">
+          <a:blip r:embed="rId13" cstate="print">
+            <a:extLst>
+              <a:ext uri="{28A0092B-C50C-407E-A947-70E740481C1C}">
+                <a14:useLocalDpi xmlns:a14="http://schemas.microsoft.com/office/drawing/2010/main" val="0"/>
+              </a:ext>
+            </a:extLst>
+          </a:blip>
+          <a:stretch>
+            <a:fillRect/>
+          </a:stretch>
+        </p:blipFill>
+        <p:spPr>
+          <a:xfrm rot="0">
+            <a:off x="6858635" y="3931920"/>
+            <a:ext cx="1214120" cy="1197610"/>
+          </a:xfrm>
+          <a:prstGeom prst="roundRect"/>
+          <a:solidFill>
+            <a:srgbClr val="EDEDED"/>
+          </a:solidFill>
+        </p:spPr>
+      </p:pic>
+      <p:pic>
+        <p:nvPicPr>
+          <p:cNvPr id="1056" name="그림 10" descr="C:/Users/Admin1/AppData/Roaming/PolarisOffice/ETemp/18808_8120280/fImage211833546334.png"/>
+          <p:cNvPicPr>
+            <a:picLocks noChangeAspect="1"/>
+          </p:cNvPicPr>
+          <p:nvPr/>
+        </p:nvPicPr>
+        <p:blipFill rotWithShape="1">
+          <a:blip r:embed="rId14" cstate="print">
+            <a:extLst>
+              <a:ext uri="{28A0092B-C50C-407E-A947-70E740481C1C}">
+                <a14:useLocalDpi xmlns:a14="http://schemas.microsoft.com/office/drawing/2010/main" val="0"/>
+              </a:ext>
+            </a:extLst>
+          </a:blip>
+          <a:stretch>
+            <a:fillRect/>
+          </a:stretch>
+        </p:blipFill>
+        <p:spPr>
+          <a:xfrm rot="0">
+            <a:off x="7814310" y="4323080"/>
+            <a:ext cx="632460" cy="415925"/>
+          </a:xfrm>
+          <a:prstGeom prst="rect"/>
+          <a:noFill/>
         </p:spPr>
       </p:pic>
     </p:spTree>
@@ -6122,6 +6698,1290 @@
 </file>
 
 <file path=ppt/slides/slide2.xml><?xml version="1.0" encoding="utf-8"?>
+<p:sld xmlns:a="http://schemas.openxmlformats.org/drawingml/2006/main" xmlns:r="http://schemas.openxmlformats.org/officeDocument/2006/relationships" xmlns:p="http://schemas.openxmlformats.org/presentationml/2006/main">
+  <p:cSld>
+    <p:spTree>
+      <p:nvGrpSpPr>
+        <p:cNvPr id="1" name=""/>
+        <p:cNvGrpSpPr/>
+        <p:nvPr/>
+      </p:nvGrpSpPr>
+      <p:grpSpPr>
+        <a:xfrm>
+          <a:off x="0" y="0"/>
+          <a:ext cx="0" cy="0"/>
+          <a:chOff x="0" y="0"/>
+          <a:chExt cx="0" cy="0"/>
+        </a:xfrm>
+      </p:grpSpPr>
+      <p:sp>
+        <p:nvSpPr>
+          <p:cNvPr id="1031" name="Rect 0"/>
+          <p:cNvSpPr txBox="1">
+            <a:spLocks/>
+          </p:cNvSpPr>
+          <p:nvPr/>
+        </p:nvSpPr>
+        <p:spPr>
+          <a:xfrm rot="0">
+            <a:off x="4540250" y="329565"/>
+            <a:ext cx="3123565" cy="554990"/>
+          </a:xfrm>
+          <a:prstGeom prst="rect"/>
+          <a:noFill/>
+          <a:ln w="0">
+            <a:noFill/>
+            <a:prstDash/>
+          </a:ln>
+        </p:spPr>
+        <p:txBody>
+          <a:bodyPr wrap="square" lIns="89535" tIns="46355" rIns="89535" bIns="46355" numCol="1" vert="horz" anchor="t">
+            <a:spAutoFit/>
+          </a:bodyPr>
+          <a:lstStyle/>
+          <a:p>
+            <a:pPr marL="0" indent="0" algn="l" latinLnBrk="0">
+              <a:buFontTx/>
+              <a:buNone/>
+            </a:pPr>
+            <a:r>
+              <a:rPr lang="ko-KR" altLang="en-US" sz="3000" b="1">
+                <a:solidFill>
+                  <a:schemeClr val="tx1"/>
+                </a:solidFill>
+                <a:latin typeface="맑은 고딕" charset="0"/>
+                <a:ea typeface="맑은 고딕" charset="0"/>
+              </a:rPr>
+              <a:t>두</a:t>
+            </a:r>
+            <a:r>
+              <a:rPr lang="ko-KR" altLang="en-US" sz="3000" b="1">
+                <a:solidFill>
+                  <a:schemeClr val="tx1"/>
+                </a:solidFill>
+                <a:latin typeface="맑은 고딕" charset="0"/>
+                <a:ea typeface="맑은 고딕" charset="0"/>
+              </a:rPr>
+              <a:t> 번째 튜토리얼</a:t>
+            </a:r>
+            <a:endParaRPr lang="ko-KR" altLang="en-US" sz="3000" b="1">
+              <a:solidFill>
+                <a:schemeClr val="tx1"/>
+              </a:solidFill>
+              <a:latin typeface="맑은 고딕" charset="0"/>
+              <a:ea typeface="맑은 고딕" charset="0"/>
+            </a:endParaRPr>
+          </a:p>
+        </p:txBody>
+      </p:sp>
+      <p:sp>
+        <p:nvSpPr>
+          <p:cNvPr id="1044" name="Rect 0"/>
+          <p:cNvSpPr txBox="1">
+            <a:spLocks/>
+          </p:cNvSpPr>
+          <p:nvPr/>
+        </p:nvSpPr>
+        <p:spPr>
+          <a:xfrm rot="0">
+            <a:off x="1230630" y="5238750"/>
+            <a:ext cx="4131945" cy="954405"/>
+          </a:xfrm>
+          <a:prstGeom prst="rect"/>
+          <a:noFill/>
+          <a:ln w="0">
+            <a:noFill/>
+            <a:prstDash/>
+          </a:ln>
+        </p:spPr>
+        <p:txBody>
+          <a:bodyPr wrap="square" lIns="89535" tIns="46355" rIns="89535" bIns="46355" numCol="1" vert="horz" anchor="t">
+            <a:spAutoFit/>
+          </a:bodyPr>
+          <a:lstStyle/>
+          <a:p>
+            <a:pPr marL="0" indent="0" algn="l" latinLnBrk="0" hangingPunct="1">
+              <a:buFontTx/>
+              <a:buNone/>
+            </a:pPr>
+            <a:r>
+              <a:rPr lang="ko-KR" sz="2000" b="1">
+                <a:solidFill>
+                  <a:srgbClr val="0611F2"/>
+                </a:solidFill>
+                <a:latin typeface="맑은 고딕" charset="0"/>
+                <a:ea typeface="맑은 고딕" charset="0"/>
+              </a:rPr>
+              <a:t>5</a:t>
+            </a:r>
+            <a:r>
+              <a:rPr sz="2000" b="1">
+                <a:solidFill>
+                  <a:srgbClr val="0611F2"/>
+                </a:solidFill>
+                <a:latin typeface="맑은 고딕" charset="0"/>
+                <a:ea typeface="맑은 고딕" charset="0"/>
+              </a:rPr>
+              <a:t>. </a:t>
+            </a:r>
+            <a:r>
+              <a:rPr lang="ko-KR" sz="1800">
+                <a:latin typeface="맑은 고딕" charset="0"/>
+                <a:ea typeface="맑은 고딕" charset="0"/>
+              </a:rPr>
+              <a:t>그다음 FantasyBee 오브젝트를 Project 폴더에 있는 Prefab 폴더에 넣어줍니다.</a:t>
+            </a:r>
+            <a:endParaRPr lang="ko-KR" altLang="en-US" sz="1800">
+              <a:latin typeface="맑은 고딕" charset="0"/>
+              <a:ea typeface="맑은 고딕" charset="0"/>
+            </a:endParaRPr>
+          </a:p>
+        </p:txBody>
+      </p:sp>
+      <p:sp>
+        <p:nvSpPr>
+          <p:cNvPr id="1054" name="Rect 0"/>
+          <p:cNvSpPr txBox="1">
+            <a:spLocks/>
+          </p:cNvSpPr>
+          <p:nvPr/>
+        </p:nvSpPr>
+        <p:spPr>
+          <a:xfrm rot="0">
+            <a:off x="6824980" y="5239385"/>
+            <a:ext cx="4123690" cy="954405"/>
+          </a:xfrm>
+          <a:prstGeom prst="rect"/>
+          <a:noFill/>
+          <a:ln w="0">
+            <a:noFill/>
+            <a:prstDash/>
+          </a:ln>
+        </p:spPr>
+        <p:txBody>
+          <a:bodyPr wrap="square" lIns="89535" tIns="46355" rIns="89535" bIns="46355" numCol="1" vert="horz" anchor="t">
+            <a:spAutoFit/>
+          </a:bodyPr>
+          <a:lstStyle/>
+          <a:p>
+            <a:pPr marL="0" indent="0" algn="l" latinLnBrk="0" hangingPunct="1">
+              <a:buFontTx/>
+              <a:buNone/>
+            </a:pPr>
+            <a:r>
+              <a:rPr lang="ko-KR" sz="2000" b="1">
+                <a:solidFill>
+                  <a:srgbClr val="0611F2"/>
+                </a:solidFill>
+                <a:latin typeface="맑은 고딕" charset="0"/>
+                <a:ea typeface="맑은 고딕" charset="0"/>
+              </a:rPr>
+              <a:t>6</a:t>
+            </a:r>
+            <a:r>
+              <a:rPr sz="2000" b="1">
+                <a:solidFill>
+                  <a:srgbClr val="0611F2"/>
+                </a:solidFill>
+                <a:latin typeface="맑은 고딕" charset="0"/>
+                <a:ea typeface="맑은 고딕" charset="0"/>
+              </a:rPr>
+              <a:t>. </a:t>
+            </a:r>
+            <a:r>
+              <a:rPr lang="ko-KR" sz="1800">
+                <a:latin typeface="맑은 고딕" charset="0"/>
+                <a:ea typeface="맑은 고딕" charset="0"/>
+              </a:rPr>
+              <a:t>그런 다음</a:t>
+            </a:r>
+            <a:r>
+              <a:rPr sz="1800">
+                <a:latin typeface="맑은 고딕" charset="0"/>
+                <a:ea typeface="맑은 고딕" charset="0"/>
+              </a:rPr>
+              <a:t> 월드 공간에 있는</a:t>
+            </a:r>
+            <a:r>
+              <a:rPr sz="1800">
+                <a:latin typeface="맑은 고딕" charset="0"/>
+                <a:ea typeface="맑은 고딕" charset="0"/>
+              </a:rPr>
+              <a:t> Fantasy</a:t>
+            </a:r>
+            <a:r>
+              <a:rPr lang="ko-KR" sz="1800">
+                <a:latin typeface="맑은 고딕" charset="0"/>
+                <a:ea typeface="맑은 고딕" charset="0"/>
+              </a:rPr>
+              <a:t>Bee</a:t>
+            </a:r>
+            <a:r>
+              <a:rPr sz="1800">
+                <a:latin typeface="맑은 고딕" charset="0"/>
+                <a:ea typeface="맑은 고딕" charset="0"/>
+              </a:rPr>
+              <a:t>오브젝트를 선택하고 Delete로 삭제시켜 줍니다.</a:t>
+            </a:r>
+            <a:endParaRPr lang="ko-KR" altLang="en-US" sz="1800">
+              <a:latin typeface="맑은 고딕" charset="0"/>
+              <a:ea typeface="맑은 고딕" charset="0"/>
+            </a:endParaRPr>
+          </a:p>
+        </p:txBody>
+      </p:sp>
+      <p:pic>
+        <p:nvPicPr>
+          <p:cNvPr id="1057" name="그림 11" descr="C:/Users/Admin1/AppData/Roaming/PolarisOffice/ETemp/18808_8120280/fImage67181426500.png"/>
+          <p:cNvPicPr>
+            <a:picLocks noChangeAspect="1"/>
+          </p:cNvPicPr>
+          <p:nvPr/>
+        </p:nvPicPr>
+        <p:blipFill rotWithShape="1">
+          <a:blip r:embed="rId2" cstate="print">
+            <a:extLst>
+              <a:ext uri="{28A0092B-C50C-407E-A947-70E740481C1C}">
+                <a14:useLocalDpi xmlns:a14="http://schemas.microsoft.com/office/drawing/2010/main" val="0"/>
+              </a:ext>
+            </a:extLst>
+          </a:blip>
+          <a:stretch>
+            <a:fillRect/>
+          </a:stretch>
+        </p:blipFill>
+        <p:spPr>
+          <a:xfrm rot="0">
+            <a:off x="1238885" y="3917950"/>
+            <a:ext cx="1289050" cy="1252855"/>
+          </a:xfrm>
+          <a:prstGeom prst="roundRect"/>
+          <a:solidFill>
+            <a:srgbClr val="EDEDED"/>
+          </a:solidFill>
+        </p:spPr>
+      </p:pic>
+      <p:pic>
+        <p:nvPicPr>
+          <p:cNvPr id="1058" name="그림 12" descr="C:/Users/Admin1/AppData/Roaming/PolarisOffice/ETemp/18808_8120280/fImage50421439169.png"/>
+          <p:cNvPicPr>
+            <a:picLocks noChangeAspect="1"/>
+          </p:cNvPicPr>
+          <p:nvPr/>
+        </p:nvPicPr>
+        <p:blipFill rotWithShape="1">
+          <a:blip r:embed="rId3" cstate="print">
+            <a:extLst>
+              <a:ext uri="{28A0092B-C50C-407E-A947-70E740481C1C}">
+                <a14:useLocalDpi xmlns:a14="http://schemas.microsoft.com/office/drawing/2010/main" val="0"/>
+              </a:ext>
+            </a:extLst>
+          </a:blip>
+          <a:stretch>
+            <a:fillRect/>
+          </a:stretch>
+        </p:blipFill>
+        <p:spPr>
+          <a:xfrm rot="0">
+            <a:off x="2677160" y="3907155"/>
+            <a:ext cx="2693670" cy="1255395"/>
+          </a:xfrm>
+          <a:prstGeom prst="roundRect"/>
+          <a:solidFill>
+            <a:srgbClr val="EDEDED"/>
+          </a:solidFill>
+        </p:spPr>
+      </p:pic>
+      <p:pic>
+        <p:nvPicPr>
+          <p:cNvPr id="1059" name="그림 18" descr="C:/Users/Admin1/AppData/Roaming/PolarisOffice/ETemp/18808_8120280/fImage2118331455724.png"/>
+          <p:cNvPicPr>
+            <a:picLocks noChangeAspect="1"/>
+          </p:cNvPicPr>
+          <p:nvPr/>
+        </p:nvPicPr>
+        <p:blipFill rotWithShape="1">
+          <a:blip r:embed="rId4" cstate="print">
+            <a:extLst>
+              <a:ext uri="{28A0092B-C50C-407E-A947-70E740481C1C}">
+                <a14:useLocalDpi xmlns:a14="http://schemas.microsoft.com/office/drawing/2010/main" val="0"/>
+              </a:ext>
+            </a:extLst>
+          </a:blip>
+          <a:stretch>
+            <a:fillRect/>
+          </a:stretch>
+        </p:blipFill>
+        <p:spPr>
+          <a:xfrm rot="10800000">
+            <a:off x="2327910" y="4335780"/>
+            <a:ext cx="575945" cy="412115"/>
+          </a:xfrm>
+          <a:prstGeom prst="rect"/>
+          <a:noFill/>
+        </p:spPr>
+      </p:pic>
+      <p:pic>
+        <p:nvPicPr>
+          <p:cNvPr id="1060" name="그림 19" descr="C:/Users/Admin1/AppData/Roaming/PolarisOffice/ETemp/18808_8120280/fImage67181461478.png"/>
+          <p:cNvPicPr>
+            <a:picLocks noChangeAspect="1"/>
+          </p:cNvPicPr>
+          <p:nvPr/>
+        </p:nvPicPr>
+        <p:blipFill rotWithShape="1">
+          <a:blip r:embed="rId5" cstate="print">
+            <a:extLst>
+              <a:ext uri="{28A0092B-C50C-407E-A947-70E740481C1C}">
+                <a14:useLocalDpi xmlns:a14="http://schemas.microsoft.com/office/drawing/2010/main" val="0"/>
+              </a:ext>
+            </a:extLst>
+          </a:blip>
+          <a:stretch>
+            <a:fillRect/>
+          </a:stretch>
+        </p:blipFill>
+        <p:spPr>
+          <a:xfrm rot="0">
+            <a:off x="6816725" y="2178050"/>
+            <a:ext cx="1579880" cy="2004060"/>
+          </a:xfrm>
+          <a:prstGeom prst="roundRect"/>
+          <a:solidFill>
+            <a:srgbClr val="EDEDED"/>
+          </a:solidFill>
+        </p:spPr>
+      </p:pic>
+      <p:pic>
+        <p:nvPicPr>
+          <p:cNvPr id="1061" name="그림 23" descr="C:/Users/Admin1/AppData/Roaming/PolarisOffice/ETemp/18808_8120280/fImage115661499358.png"/>
+          <p:cNvPicPr>
+            <a:picLocks noChangeAspect="1"/>
+          </p:cNvPicPr>
+          <p:nvPr/>
+        </p:nvPicPr>
+        <p:blipFill rotWithShape="1">
+          <a:blip r:embed="rId6" cstate="hqprint">
+            <a:extLst>
+              <a:ext uri="{28A0092B-C50C-407E-A947-70E740481C1C}">
+                <a14:useLocalDpi xmlns:a14="http://schemas.microsoft.com/office/drawing/2010/main"/>
+              </a:ext>
+            </a:extLst>
+          </a:blip>
+          <a:stretch>
+            <a:fillRect/>
+          </a:stretch>
+        </p:blipFill>
+        <p:spPr>
+          <a:xfrm rot="0">
+            <a:off x="8595995" y="1288415"/>
+            <a:ext cx="2353310" cy="3775075"/>
+          </a:xfrm>
+          <a:prstGeom prst="roundRect"/>
+          <a:solidFill>
+            <a:srgbClr val="EDEDED"/>
+          </a:solidFill>
+        </p:spPr>
+      </p:pic>
+      <p:pic>
+        <p:nvPicPr>
+          <p:cNvPr id="1062" name="그림 24" descr="C:/Users/Admin1/AppData/Roaming/PolarisOffice/ETemp/18808_8120280/fImage17581506962.png"/>
+          <p:cNvPicPr>
+            <a:picLocks noChangeAspect="1"/>
+          </p:cNvPicPr>
+          <p:nvPr/>
+        </p:nvPicPr>
+        <p:blipFill rotWithShape="1">
+          <a:blip r:embed="rId7" cstate="print">
+            <a:extLst>
+              <a:ext uri="{28A0092B-C50C-407E-A947-70E740481C1C}">
+                <a14:useLocalDpi xmlns:a14="http://schemas.microsoft.com/office/drawing/2010/main" val="0"/>
+              </a:ext>
+            </a:extLst>
+          </a:blip>
+          <a:stretch>
+            <a:fillRect/>
+          </a:stretch>
+        </p:blipFill>
+        <p:spPr>
+          <a:xfrm rot="0">
+            <a:off x="4622165" y="1687195"/>
+            <a:ext cx="740410" cy="906780"/>
+          </a:xfrm>
+          <a:prstGeom prst="roundRect"/>
+          <a:solidFill>
+            <a:srgbClr val="EDEDED"/>
+          </a:solidFill>
+        </p:spPr>
+      </p:pic>
+      <p:sp>
+        <p:nvSpPr>
+          <p:cNvPr id="1063" name="텍스트 상자 27"/>
+          <p:cNvSpPr txBox="1">
+            <a:spLocks/>
+          </p:cNvSpPr>
+          <p:nvPr/>
+        </p:nvSpPr>
+        <p:spPr>
+          <a:xfrm rot="0">
+            <a:off x="1227455" y="3089910"/>
+            <a:ext cx="4131945" cy="677545"/>
+          </a:xfrm>
+          <a:prstGeom prst="rect"/>
+          <a:noFill/>
+          <a:ln w="0">
+            <a:noFill/>
+            <a:prstDash/>
+          </a:ln>
+        </p:spPr>
+        <p:txBody>
+          <a:bodyPr wrap="square" lIns="89535" tIns="46355" rIns="89535" bIns="46355" numCol="1" vert="horz" anchor="t">
+            <a:spAutoFit/>
+          </a:bodyPr>
+          <a:lstStyle/>
+          <a:p>
+            <a:pPr marL="0" indent="0" algn="l" latinLnBrk="0" hangingPunct="1">
+              <a:buFontTx/>
+              <a:buNone/>
+            </a:pPr>
+            <a:r>
+              <a:rPr lang="ko-KR" sz="2000" b="1">
+                <a:solidFill>
+                  <a:srgbClr val="0611F2"/>
+                </a:solidFill>
+                <a:latin typeface="맑은 고딕" charset="0"/>
+                <a:ea typeface="맑은 고딕" charset="0"/>
+              </a:rPr>
+              <a:t>4</a:t>
+            </a:r>
+            <a:r>
+              <a:rPr sz="2000" b="1">
+                <a:solidFill>
+                  <a:srgbClr val="0611F2"/>
+                </a:solidFill>
+                <a:latin typeface="맑은 고딕" charset="0"/>
+                <a:ea typeface="맑은 고딕" charset="0"/>
+              </a:rPr>
+              <a:t>.</a:t>
+            </a:r>
+            <a:r>
+              <a:rPr sz="2000" b="1">
+                <a:solidFill>
+                  <a:srgbClr val="0611F2"/>
+                </a:solidFill>
+                <a:latin typeface="맑은 고딕" charset="0"/>
+                <a:ea typeface="맑은 고딕" charset="0"/>
+              </a:rPr>
+              <a:t> </a:t>
+            </a:r>
+            <a:r>
+              <a:rPr lang="ko-KR" sz="1800">
+                <a:latin typeface="맑은 고딕" charset="0"/>
+                <a:ea typeface="맑은 고딕" charset="0"/>
+              </a:rPr>
+              <a:t>이제 Bee라는 스크립트를 생성하고 FantasyBee 오브젝트에 넣어줍니다.</a:t>
+            </a:r>
+            <a:endParaRPr lang="ko-KR" altLang="en-US" sz="1800">
+              <a:latin typeface="맑은 고딕" charset="0"/>
+              <a:ea typeface="맑은 고딕" charset="0"/>
+            </a:endParaRPr>
+          </a:p>
+        </p:txBody>
+      </p:sp>
+      <p:pic>
+        <p:nvPicPr>
+          <p:cNvPr id="1064" name="그림 28" descr="C:/Users/Admin1/AppData/Roaming/PolarisOffice/ETemp/18808_8120280/fImage67181524464.png"/>
+          <p:cNvPicPr>
+            <a:picLocks noChangeAspect="1"/>
+          </p:cNvPicPr>
+          <p:nvPr/>
+        </p:nvPicPr>
+        <p:blipFill rotWithShape="1">
+          <a:blip r:embed="rId8" cstate="print">
+            <a:extLst>
+              <a:ext uri="{28A0092B-C50C-407E-A947-70E740481C1C}">
+                <a14:useLocalDpi xmlns:a14="http://schemas.microsoft.com/office/drawing/2010/main" val="0"/>
+              </a:ext>
+            </a:extLst>
+          </a:blip>
+          <a:stretch>
+            <a:fillRect/>
+          </a:stretch>
+        </p:blipFill>
+        <p:spPr>
+          <a:xfrm rot="0">
+            <a:off x="1238885" y="1288415"/>
+            <a:ext cx="3109595" cy="1680210"/>
+          </a:xfrm>
+          <a:prstGeom prst="roundRect"/>
+          <a:solidFill>
+            <a:srgbClr val="EDEDED"/>
+          </a:solidFill>
+        </p:spPr>
+      </p:pic>
+      <p:cxnSp>
+        <p:nvCxnSpPr>
+          <p:cNvPr id="1065" name="도형 29"/>
+          <p:cNvCxnSpPr/>
+          <p:nvPr/>
+        </p:nvCxnSpPr>
+        <p:spPr>
+          <a:xfrm rot="0" flipH="1">
+            <a:off x="3217545" y="2139950"/>
+            <a:ext cx="1405255" cy="587375"/>
+          </a:xfrm>
+          <a:prstGeom prst="straightConnector1"/>
+          <a:ln w="6350" cap="flat" cmpd="sng">
+            <a:prstDash/>
+            <a:headEnd type="none" w="med" len="med"/>
+            <a:tailEnd type="triangle" w="med" len="med"/>
+          </a:ln>
+        </p:spPr>
+        <p:style>
+          <a:lnRef idx="1">
+            <a:schemeClr val="accent1"/>
+          </a:lnRef>
+          <a:fillRef idx="0">
+            <a:schemeClr val="accent1"/>
+          </a:fillRef>
+          <a:effectRef idx="0">
+            <a:schemeClr val="accent1"/>
+          </a:effectRef>
+          <a:fontRef idx="minor">
+            <a:schemeClr val="tx1"/>
+          </a:fontRef>
+        </p:style>
+      </p:cxnSp>
+    </p:spTree>
+  </p:cSld>
+  <p:clrMapOvr>
+    <a:masterClrMapping/>
+  </p:clrMapOvr>
+  <mc:AlternateContent xmlns:mc="http://schemas.openxmlformats.org/markup-compatibility/2006">
+    <mc:Choice xmlns:p14="http://schemas.microsoft.com/office/powerpoint/2010/main" Requires="p14">
+      <p:transition spd="slow" p14:dur="2000"/>
+    </mc:Choice>
+    <mc:Fallback>
+      <p:transition spd="slow"/>
+    </mc:Fallback>
+  </mc:AlternateContent>
+  <p:timing>
+    <p:tnLst>
+      <p:par>
+        <p:cTn id="1" dur="indefinite" restart="never" nodeType="tmRoot"/>
+      </p:par>
+    </p:tnLst>
+  </p:timing>
+</p:sld>
+</file>
+
+<file path=ppt/slides/slide3.xml><?xml version="1.0" encoding="utf-8"?>
+<p:sld xmlns:a="http://schemas.openxmlformats.org/drawingml/2006/main" xmlns:r="http://schemas.openxmlformats.org/officeDocument/2006/relationships" xmlns:p="http://schemas.openxmlformats.org/presentationml/2006/main">
+  <p:cSld>
+    <p:spTree>
+      <p:nvGrpSpPr>
+        <p:cNvPr id="1" name=""/>
+        <p:cNvGrpSpPr/>
+        <p:nvPr/>
+      </p:nvGrpSpPr>
+      <p:grpSpPr>
+        <a:xfrm>
+          <a:off x="0" y="0"/>
+          <a:ext cx="0" cy="0"/>
+          <a:chOff x="0" y="0"/>
+          <a:chExt cx="0" cy="0"/>
+        </a:xfrm>
+      </p:grpSpPr>
+      <p:sp>
+        <p:nvSpPr>
+          <p:cNvPr id="1031" name="Rect 0"/>
+          <p:cNvSpPr txBox="1">
+            <a:spLocks/>
+          </p:cNvSpPr>
+          <p:nvPr/>
+        </p:nvSpPr>
+        <p:spPr>
+          <a:xfrm rot="0">
+            <a:off x="4540250" y="329565"/>
+            <a:ext cx="3123565" cy="554990"/>
+          </a:xfrm>
+          <a:prstGeom prst="rect"/>
+          <a:noFill/>
+          <a:ln w="0">
+            <a:noFill/>
+            <a:prstDash/>
+          </a:ln>
+        </p:spPr>
+        <p:txBody>
+          <a:bodyPr wrap="square" lIns="89535" tIns="46355" rIns="89535" bIns="46355" numCol="1" vert="horz" anchor="t">
+            <a:spAutoFit/>
+          </a:bodyPr>
+          <a:lstStyle/>
+          <a:p>
+            <a:pPr marL="0" indent="0" algn="l" latinLnBrk="0">
+              <a:buFontTx/>
+              <a:buNone/>
+            </a:pPr>
+            <a:r>
+              <a:rPr lang="ko-KR" altLang="en-US" sz="3000" b="1">
+                <a:solidFill>
+                  <a:schemeClr val="tx1"/>
+                </a:solidFill>
+                <a:latin typeface="맑은 고딕" charset="0"/>
+                <a:ea typeface="맑은 고딕" charset="0"/>
+              </a:rPr>
+              <a:t>세</a:t>
+            </a:r>
+            <a:r>
+              <a:rPr lang="ko-KR" altLang="en-US" sz="3000" b="1">
+                <a:solidFill>
+                  <a:schemeClr val="tx1"/>
+                </a:solidFill>
+                <a:latin typeface="맑은 고딕" charset="0"/>
+                <a:ea typeface="맑은 고딕" charset="0"/>
+              </a:rPr>
+              <a:t> 번째 튜토리얼</a:t>
+            </a:r>
+            <a:endParaRPr lang="ko-KR" altLang="en-US" sz="3000" b="1">
+              <a:solidFill>
+                <a:schemeClr val="tx1"/>
+              </a:solidFill>
+              <a:latin typeface="맑은 고딕" charset="0"/>
+              <a:ea typeface="맑은 고딕" charset="0"/>
+            </a:endParaRPr>
+          </a:p>
+        </p:txBody>
+      </p:sp>
+      <p:sp>
+        <p:nvSpPr>
+          <p:cNvPr id="1044" name="Rect 0"/>
+          <p:cNvSpPr txBox="1">
+            <a:spLocks/>
+          </p:cNvSpPr>
+          <p:nvPr/>
+        </p:nvSpPr>
+        <p:spPr>
+          <a:xfrm rot="0">
+            <a:off x="1222375" y="5238750"/>
+            <a:ext cx="4131945" cy="954405"/>
+          </a:xfrm>
+          <a:prstGeom prst="rect"/>
+          <a:noFill/>
+          <a:ln w="0">
+            <a:noFill/>
+            <a:prstDash/>
+          </a:ln>
+        </p:spPr>
+        <p:txBody>
+          <a:bodyPr wrap="square" lIns="89535" tIns="46355" rIns="89535" bIns="46355" numCol="1" vert="horz" anchor="t">
+            <a:spAutoFit/>
+          </a:bodyPr>
+          <a:lstStyle/>
+          <a:p>
+            <a:pPr marL="0" indent="0" algn="l" latinLnBrk="0" hangingPunct="1">
+              <a:buFontTx/>
+              <a:buNone/>
+            </a:pPr>
+            <a:r>
+              <a:rPr lang="ko-KR" sz="2000" b="1">
+                <a:solidFill>
+                  <a:srgbClr val="0611F2"/>
+                </a:solidFill>
+                <a:latin typeface="맑은 고딕" charset="0"/>
+                <a:ea typeface="맑은 고딕" charset="0"/>
+              </a:rPr>
+              <a:t>7</a:t>
+            </a:r>
+            <a:r>
+              <a:rPr sz="2000" b="1">
+                <a:solidFill>
+                  <a:srgbClr val="0611F2"/>
+                </a:solidFill>
+                <a:latin typeface="맑은 고딕" charset="0"/>
+                <a:ea typeface="맑은 고딕" charset="0"/>
+              </a:rPr>
+              <a:t>. </a:t>
+            </a:r>
+            <a:r>
+              <a:rPr lang="ko-KR" sz="1800">
+                <a:latin typeface="맑은 고딕" charset="0"/>
+                <a:ea typeface="맑은 고딕" charset="0"/>
+              </a:rPr>
+              <a:t>그리고 </a:t>
+            </a:r>
+            <a:r>
+              <a:rPr sz="1800">
+                <a:latin typeface="맑은 고딕" charset="0"/>
+                <a:ea typeface="맑은 고딕" charset="0"/>
+              </a:rPr>
+              <a:t>버튼을 </a:t>
+            </a:r>
+            <a:r>
+              <a:rPr lang="ko-KR" sz="1800">
+                <a:latin typeface="맑은 고딕" charset="0"/>
+                <a:ea typeface="맑은 고딕" charset="0"/>
+              </a:rPr>
+              <a:t>생성한 다음</a:t>
+            </a:r>
+            <a:r>
+              <a:rPr sz="1800">
+                <a:latin typeface="맑은 고딕" charset="0"/>
+                <a:ea typeface="맑은 고딕" charset="0"/>
+              </a:rPr>
+              <a:t> 버튼의  이름을</a:t>
+            </a:r>
+            <a:r>
+              <a:rPr sz="1800">
+                <a:latin typeface="맑은 고딕" charset="0"/>
+                <a:ea typeface="맑은 고딕" charset="0"/>
+              </a:rPr>
+              <a:t> Insecticide Spray</a:t>
+            </a:r>
+            <a:r>
+              <a:rPr sz="1800">
+                <a:latin typeface="맑은 고딕" charset="0"/>
+                <a:ea typeface="맑은 고딕" charset="0"/>
+              </a:rPr>
+              <a:t> Button으로 변경합니다.</a:t>
+            </a:r>
+            <a:endParaRPr lang="ko-KR" altLang="en-US" sz="1800">
+              <a:latin typeface="맑은 고딕" charset="0"/>
+              <a:ea typeface="맑은 고딕" charset="0"/>
+            </a:endParaRPr>
+          </a:p>
+        </p:txBody>
+      </p:sp>
+      <p:sp>
+        <p:nvSpPr>
+          <p:cNvPr id="1054" name="Rect 0"/>
+          <p:cNvSpPr txBox="1">
+            <a:spLocks/>
+          </p:cNvSpPr>
+          <p:nvPr/>
+        </p:nvSpPr>
+        <p:spPr>
+          <a:xfrm rot="0">
+            <a:off x="6824980" y="2762250"/>
+            <a:ext cx="4115435" cy="954405"/>
+          </a:xfrm>
+          <a:prstGeom prst="rect"/>
+          <a:noFill/>
+          <a:ln w="0">
+            <a:noFill/>
+            <a:prstDash/>
+          </a:ln>
+        </p:spPr>
+        <p:txBody>
+          <a:bodyPr wrap="square" lIns="89535" tIns="46355" rIns="89535" bIns="46355" numCol="1" vert="horz" anchor="t">
+            <a:spAutoFit/>
+          </a:bodyPr>
+          <a:lstStyle/>
+          <a:p>
+            <a:pPr marL="0" indent="0" algn="l" latinLnBrk="0" hangingPunct="1">
+              <a:buFontTx/>
+              <a:buNone/>
+            </a:pPr>
+            <a:r>
+              <a:rPr lang="ko-KR" sz="2000" b="1">
+                <a:solidFill>
+                  <a:srgbClr val="0611F2"/>
+                </a:solidFill>
+                <a:latin typeface="맑은 고딕" charset="0"/>
+                <a:ea typeface="맑은 고딕" charset="0"/>
+              </a:rPr>
+              <a:t>8</a:t>
+            </a:r>
+            <a:r>
+              <a:rPr sz="2000" b="1">
+                <a:solidFill>
+                  <a:srgbClr val="0611F2"/>
+                </a:solidFill>
+                <a:latin typeface="맑은 고딕" charset="0"/>
+                <a:ea typeface="맑은 고딕" charset="0"/>
+              </a:rPr>
+              <a:t>. </a:t>
+            </a:r>
+            <a:r>
+              <a:rPr lang="ko-KR" sz="1800">
+                <a:latin typeface="맑은 고딕" charset="0"/>
+                <a:ea typeface="맑은 고딕" charset="0"/>
+              </a:rPr>
+              <a:t>그러고 나서 </a:t>
+            </a:r>
+            <a:r>
+              <a:rPr sz="1800">
+                <a:latin typeface="맑은 고딕" charset="0"/>
+                <a:ea typeface="맑은 고딕" charset="0"/>
+              </a:rPr>
+              <a:t>Insecticide Spray</a:t>
+            </a:r>
+            <a:r>
+              <a:rPr sz="1800">
+                <a:latin typeface="맑은 고딕" charset="0"/>
+                <a:ea typeface="맑은 고딕" charset="0"/>
+              </a:rPr>
+              <a:t> Button</a:t>
+            </a:r>
+            <a:r>
+              <a:rPr lang="ko-KR" sz="1800">
+                <a:latin typeface="맑은 고딕" charset="0"/>
+                <a:ea typeface="맑은 고딕" charset="0"/>
+              </a:rPr>
+              <a:t>의 앵커를 지정하고 위치와 크기 값을 설정합니다.</a:t>
+            </a:r>
+            <a:endParaRPr lang="ko-KR" altLang="en-US" sz="1800">
+              <a:latin typeface="맑은 고딕" charset="0"/>
+              <a:ea typeface="맑은 고딕" charset="0"/>
+            </a:endParaRPr>
+          </a:p>
+        </p:txBody>
+      </p:sp>
+      <p:pic>
+        <p:nvPicPr>
+          <p:cNvPr id="1062" name="그림 32" descr="C:/Users/Admin1/AppData/Roaming/PolarisOffice/ETemp/18808_8120280/fImage272451725705.png"/>
+          <p:cNvPicPr>
+            <a:picLocks noChangeAspect="1"/>
+          </p:cNvPicPr>
+          <p:nvPr/>
+        </p:nvPicPr>
+        <p:blipFill rotWithShape="1">
+          <a:blip r:embed="rId2" cstate="print">
+            <a:extLst>
+              <a:ext uri="{28A0092B-C50C-407E-A947-70E740481C1C}">
+                <a14:useLocalDpi xmlns:a14="http://schemas.microsoft.com/office/drawing/2010/main" val="0"/>
+              </a:ext>
+            </a:extLst>
+          </a:blip>
+          <a:stretch>
+            <a:fillRect/>
+          </a:stretch>
+        </p:blipFill>
+        <p:spPr>
+          <a:xfrm rot="0">
+            <a:off x="1230630" y="1338580"/>
+            <a:ext cx="2569210" cy="3724910"/>
+          </a:xfrm>
+          <a:prstGeom prst="roundRect"/>
+          <a:solidFill>
+            <a:srgbClr val="EDEDED"/>
+          </a:solidFill>
+        </p:spPr>
+      </p:pic>
+      <p:pic>
+        <p:nvPicPr>
+          <p:cNvPr id="1063" name="그림 37" descr="C:/Users/Admin1/AppData/Roaming/PolarisOffice/ETemp/18808_8120280/fImage77441738145.png"/>
+          <p:cNvPicPr>
+            <a:picLocks noChangeAspect="1"/>
+          </p:cNvPicPr>
+          <p:nvPr/>
+        </p:nvPicPr>
+        <p:blipFill rotWithShape="1">
+          <a:blip r:embed="rId3" cstate="print">
+            <a:extLst>
+              <a:ext uri="{28A0092B-C50C-407E-A947-70E740481C1C}">
+                <a14:useLocalDpi xmlns:a14="http://schemas.microsoft.com/office/drawing/2010/main" val="0"/>
+              </a:ext>
+            </a:extLst>
+          </a:blip>
+          <a:stretch>
+            <a:fillRect/>
+          </a:stretch>
+        </p:blipFill>
+        <p:spPr>
+          <a:xfrm rot="0">
+            <a:off x="3949065" y="2061845"/>
+            <a:ext cx="1403985" cy="2270125"/>
+          </a:xfrm>
+          <a:prstGeom prst="roundRect"/>
+          <a:solidFill>
+            <a:srgbClr val="EDEDED"/>
+          </a:solidFill>
+        </p:spPr>
+      </p:pic>
+      <p:pic>
+        <p:nvPicPr>
+          <p:cNvPr id="1064" name="그림 46" descr="C:/Users/Admin1/AppData/Roaming/PolarisOffice/ETemp/18808_8120280/fImage124871743281.png"/>
+          <p:cNvPicPr>
+            <a:picLocks noChangeAspect="1"/>
+          </p:cNvPicPr>
+          <p:nvPr/>
+        </p:nvPicPr>
+        <p:blipFill rotWithShape="1">
+          <a:blip r:embed="rId4" cstate="print">
+            <a:extLst>
+              <a:ext uri="{28A0092B-C50C-407E-A947-70E740481C1C}">
+                <a14:useLocalDpi xmlns:a14="http://schemas.microsoft.com/office/drawing/2010/main" val="0"/>
+              </a:ext>
+            </a:extLst>
+          </a:blip>
+          <a:stretch>
+            <a:fillRect/>
+          </a:stretch>
+        </p:blipFill>
+        <p:spPr>
+          <a:xfrm rot="0">
+            <a:off x="6816725" y="1339850"/>
+            <a:ext cx="4131945" cy="1329055"/>
+          </a:xfrm>
+          <a:prstGeom prst="roundRect"/>
+          <a:solidFill>
+            <a:srgbClr val="EDEDED"/>
+          </a:solidFill>
+        </p:spPr>
+      </p:pic>
+      <p:pic>
+        <p:nvPicPr>
+          <p:cNvPr id="1065" name="그림 55" descr="C:/Users/Admin1/AppData/Roaming/PolarisOffice/ETemp/18808_8120280/fImage121841866827.png"/>
+          <p:cNvPicPr>
+            <a:picLocks noChangeAspect="1"/>
+          </p:cNvPicPr>
+          <p:nvPr/>
+        </p:nvPicPr>
+        <p:blipFill rotWithShape="1">
+          <a:blip r:embed="rId5" cstate="print">
+            <a:extLst>
+              <a:ext uri="{28A0092B-C50C-407E-A947-70E740481C1C}">
+                <a14:useLocalDpi xmlns:a14="http://schemas.microsoft.com/office/drawing/2010/main" val="0"/>
+              </a:ext>
+            </a:extLst>
+          </a:blip>
+          <a:stretch>
+            <a:fillRect/>
+          </a:stretch>
+        </p:blipFill>
+        <p:spPr>
+          <a:xfrm rot="0">
+            <a:off x="6822440" y="3790315"/>
+            <a:ext cx="4135120" cy="1364615"/>
+          </a:xfrm>
+          <a:prstGeom prst="roundRect"/>
+          <a:solidFill>
+            <a:srgbClr val="EDEDED"/>
+          </a:solidFill>
+        </p:spPr>
+      </p:pic>
+      <p:sp>
+        <p:nvSpPr>
+          <p:cNvPr id="1066" name="텍스트 상자 56"/>
+          <p:cNvSpPr txBox="1">
+            <a:spLocks/>
+          </p:cNvSpPr>
+          <p:nvPr/>
+        </p:nvSpPr>
+        <p:spPr>
+          <a:xfrm rot="0">
+            <a:off x="6821805" y="5236845"/>
+            <a:ext cx="4115435" cy="954405"/>
+          </a:xfrm>
+          <a:prstGeom prst="rect"/>
+          <a:noFill/>
+          <a:ln w="0">
+            <a:noFill/>
+            <a:prstDash/>
+          </a:ln>
+        </p:spPr>
+        <p:txBody>
+          <a:bodyPr wrap="square" lIns="89535" tIns="46355" rIns="89535" bIns="46355" numCol="1" vert="horz" anchor="t">
+            <a:spAutoFit/>
+          </a:bodyPr>
+          <a:lstStyle/>
+          <a:p>
+            <a:pPr marL="0" indent="0" algn="l" latinLnBrk="0" hangingPunct="1">
+              <a:buFontTx/>
+              <a:buNone/>
+            </a:pPr>
+            <a:r>
+              <a:rPr lang="ko-KR" sz="2000" b="1">
+                <a:solidFill>
+                  <a:srgbClr val="0611F2"/>
+                </a:solidFill>
+                <a:latin typeface="맑은 고딕" charset="0"/>
+                <a:ea typeface="맑은 고딕" charset="0"/>
+              </a:rPr>
+              <a:t>9</a:t>
+            </a:r>
+            <a:r>
+              <a:rPr sz="2000" b="1">
+                <a:solidFill>
+                  <a:srgbClr val="0611F2"/>
+                </a:solidFill>
+                <a:latin typeface="맑은 고딕" charset="0"/>
+                <a:ea typeface="맑은 고딕" charset="0"/>
+              </a:rPr>
+              <a:t>. </a:t>
+            </a:r>
+            <a:r>
+              <a:rPr lang="ko-KR" sz="1800">
+                <a:latin typeface="맑은 고딕" charset="0"/>
+                <a:ea typeface="맑은 고딕" charset="0"/>
+              </a:rPr>
+              <a:t>이제 Object Pool Manager 오브젝트의 위치와 회전 값을 초기화합니다.</a:t>
+            </a:r>
+            <a:endParaRPr lang="ko-KR" altLang="en-US" sz="1800">
+              <a:latin typeface="맑은 고딕" charset="0"/>
+              <a:ea typeface="맑은 고딕" charset="0"/>
+            </a:endParaRPr>
+          </a:p>
+        </p:txBody>
+      </p:sp>
+    </p:spTree>
+  </p:cSld>
+  <p:clrMapOvr>
+    <a:masterClrMapping/>
+  </p:clrMapOvr>
+  <mc:AlternateContent xmlns:mc="http://schemas.openxmlformats.org/markup-compatibility/2006">
+    <mc:Choice xmlns:p14="http://schemas.microsoft.com/office/powerpoint/2010/main" Requires="p14">
+      <p:transition spd="slow" p14:dur="2000"/>
+    </mc:Choice>
+    <mc:Fallback>
+      <p:transition spd="slow"/>
+    </mc:Fallback>
+  </mc:AlternateContent>
+  <p:timing>
+    <p:tnLst>
+      <p:par>
+        <p:cTn id="1" dur="indefinite" restart="never" nodeType="tmRoot"/>
+      </p:par>
+    </p:tnLst>
+  </p:timing>
+</p:sld>
+</file>
+
+<file path=ppt/slides/slide4.xml><?xml version="1.0" encoding="utf-8"?>
+<p:sld xmlns:a="http://schemas.openxmlformats.org/drawingml/2006/main" xmlns:r="http://schemas.openxmlformats.org/officeDocument/2006/relationships" xmlns:p="http://schemas.openxmlformats.org/presentationml/2006/main">
+  <p:cSld>
+    <p:spTree>
+      <p:nvGrpSpPr>
+        <p:cNvPr id="1" name=""/>
+        <p:cNvGrpSpPr/>
+        <p:nvPr/>
+      </p:nvGrpSpPr>
+      <p:grpSpPr>
+        <a:xfrm>
+          <a:off x="0" y="0"/>
+          <a:ext cx="0" cy="0"/>
+          <a:chOff x="0" y="0"/>
+          <a:chExt cx="0" cy="0"/>
+        </a:xfrm>
+      </p:grpSpPr>
+      <p:sp>
+        <p:nvSpPr>
+          <p:cNvPr id="1031" name="Rect 0"/>
+          <p:cNvSpPr txBox="1">
+            <a:spLocks/>
+          </p:cNvSpPr>
+          <p:nvPr/>
+        </p:nvSpPr>
+        <p:spPr>
+          <a:xfrm rot="0">
+            <a:off x="4540250" y="329565"/>
+            <a:ext cx="3123565" cy="554990"/>
+          </a:xfrm>
+          <a:prstGeom prst="rect"/>
+          <a:noFill/>
+          <a:ln w="0">
+            <a:noFill/>
+            <a:prstDash/>
+          </a:ln>
+        </p:spPr>
+        <p:txBody>
+          <a:bodyPr wrap="square" lIns="89535" tIns="46355" rIns="89535" bIns="46355" numCol="1" vert="horz" anchor="t">
+            <a:spAutoFit/>
+          </a:bodyPr>
+          <a:lstStyle/>
+          <a:p>
+            <a:pPr marL="0" indent="0" algn="l" latinLnBrk="0">
+              <a:buFontTx/>
+              <a:buNone/>
+            </a:pPr>
+            <a:r>
+              <a:rPr lang="ko-KR" altLang="en-US" sz="3000" b="1">
+                <a:solidFill>
+                  <a:schemeClr val="tx1"/>
+                </a:solidFill>
+                <a:latin typeface="맑은 고딕" charset="0"/>
+                <a:ea typeface="맑은 고딕" charset="0"/>
+              </a:rPr>
+              <a:t>네</a:t>
+            </a:r>
+            <a:r>
+              <a:rPr lang="ko-KR" altLang="en-US" sz="3000" b="1">
+                <a:solidFill>
+                  <a:schemeClr val="tx1"/>
+                </a:solidFill>
+                <a:latin typeface="맑은 고딕" charset="0"/>
+                <a:ea typeface="맑은 고딕" charset="0"/>
+              </a:rPr>
+              <a:t> 번째 튜토리얼</a:t>
+            </a:r>
+            <a:endParaRPr lang="ko-KR" altLang="en-US" sz="3000" b="1">
+              <a:solidFill>
+                <a:schemeClr val="tx1"/>
+              </a:solidFill>
+              <a:latin typeface="맑은 고딕" charset="0"/>
+              <a:ea typeface="맑은 고딕" charset="0"/>
+            </a:endParaRPr>
+          </a:p>
+        </p:txBody>
+      </p:sp>
+      <p:sp>
+        <p:nvSpPr>
+          <p:cNvPr id="1044" name="Rect 0"/>
+          <p:cNvSpPr txBox="1">
+            <a:spLocks/>
+          </p:cNvSpPr>
+          <p:nvPr/>
+        </p:nvSpPr>
+        <p:spPr>
+          <a:xfrm rot="0">
+            <a:off x="1214120" y="4224655"/>
+            <a:ext cx="4173220" cy="2061845"/>
+          </a:xfrm>
+          <a:prstGeom prst="rect"/>
+          <a:noFill/>
+          <a:ln w="0">
+            <a:noFill/>
+            <a:prstDash/>
+          </a:ln>
+        </p:spPr>
+        <p:txBody>
+          <a:bodyPr wrap="square" lIns="89535" tIns="46355" rIns="89535" bIns="46355" numCol="1" vert="horz" anchor="t">
+            <a:spAutoFit/>
+          </a:bodyPr>
+          <a:lstStyle/>
+          <a:p>
+            <a:pPr marL="0" indent="0" algn="l" latinLnBrk="0" hangingPunct="1">
+              <a:buFontTx/>
+              <a:buNone/>
+            </a:pPr>
+            <a:r>
+              <a:rPr lang="ko-KR" sz="2000" b="1">
+                <a:solidFill>
+                  <a:srgbClr val="0611F2"/>
+                </a:solidFill>
+                <a:latin typeface="맑은 고딕" charset="0"/>
+                <a:ea typeface="맑은 고딕" charset="0"/>
+              </a:rPr>
+              <a:t>10</a:t>
+            </a:r>
+            <a:r>
+              <a:rPr sz="2000" b="1">
+                <a:solidFill>
+                  <a:srgbClr val="0611F2"/>
+                </a:solidFill>
+                <a:latin typeface="맑은 고딕" charset="0"/>
+                <a:ea typeface="맑은 고딕" charset="0"/>
+              </a:rPr>
+              <a:t>. </a:t>
+            </a:r>
+            <a:r>
+              <a:rPr lang="ko-KR" sz="1800">
+                <a:latin typeface="맑은 고딕" charset="0"/>
+                <a:ea typeface="맑은 고딕" charset="0"/>
+              </a:rPr>
+              <a:t>그다음 </a:t>
+            </a:r>
+            <a:r>
+              <a:rPr lang="ko-KR" sz="1800">
+                <a:latin typeface="맑은 고딕" charset="0"/>
+                <a:ea typeface="맑은 고딕" charset="0"/>
+              </a:rPr>
+              <a:t>Bee 스크립트에서 IObjectPool 클래스에 형식 매개변수로 Bee 클래스를 넣어줍니다</a:t>
+            </a:r>
+            <a:r>
+              <a:rPr sz="1800">
+                <a:latin typeface="맑은 고딕" charset="0"/>
+                <a:ea typeface="맑은 고딕" charset="0"/>
+              </a:rPr>
+              <a:t>.</a:t>
+            </a:r>
+            <a:endParaRPr lang="ko-KR" altLang="en-US" sz="1800">
+              <a:latin typeface="맑은 고딕" charset="0"/>
+              <a:ea typeface="맑은 고딕" charset="0"/>
+            </a:endParaRPr>
+          </a:p>
+          <a:p>
+            <a:pPr marL="0" indent="0" algn="l" latinLnBrk="0" hangingPunct="1">
+              <a:buFontTx/>
+              <a:buNone/>
+            </a:pPr>
+            <a:endParaRPr lang="ko-KR" altLang="en-US" sz="1800">
+              <a:latin typeface="맑은 고딕" charset="0"/>
+              <a:ea typeface="맑은 고딕" charset="0"/>
+            </a:endParaRPr>
+          </a:p>
+          <a:p>
+            <a:pPr marL="0" indent="0" algn="l" latinLnBrk="0" hangingPunct="1">
+              <a:buFontTx/>
+              <a:buNone/>
+            </a:pPr>
+            <a:r>
+              <a:rPr lang="ko-KR" sz="1800">
+                <a:latin typeface="맑은 고딕" charset="0"/>
+                <a:ea typeface="맑은 고딕" charset="0"/>
+              </a:rPr>
+              <a:t>그런 다음 메모리 풀에 오브젝트를 설정하는 함수와 오브젝트를 해제하는 함수를 선언합니다. </a:t>
+            </a:r>
+            <a:endParaRPr lang="ko-KR" altLang="en-US" sz="1800">
+              <a:latin typeface="맑은 고딕" charset="0"/>
+              <a:ea typeface="맑은 고딕" charset="0"/>
+            </a:endParaRPr>
+          </a:p>
+        </p:txBody>
+      </p:sp>
+      <p:pic>
+        <p:nvPicPr>
+          <p:cNvPr id="1065" name="그림 50" descr="C:/Users/Admin1/AppData/Roaming/PolarisOffice/ETemp/18808_8120280/fImage598961859961.png"/>
+          <p:cNvPicPr>
+            <a:picLocks noChangeAspect="1"/>
+          </p:cNvPicPr>
+          <p:nvPr/>
+        </p:nvPicPr>
+        <p:blipFill rotWithShape="1">
+          <a:blip r:embed="rId2" cstate="print">
+            <a:extLst>
+              <a:ext uri="{28A0092B-C50C-407E-A947-70E740481C1C}">
+                <a14:useLocalDpi xmlns:a14="http://schemas.microsoft.com/office/drawing/2010/main" val="0"/>
+              </a:ext>
+            </a:extLst>
+          </a:blip>
+          <a:stretch>
+            <a:fillRect/>
+          </a:stretch>
+        </p:blipFill>
+        <p:spPr>
+          <a:xfrm rot="0">
+            <a:off x="1214120" y="1338580"/>
+            <a:ext cx="4164965" cy="2826385"/>
+          </a:xfrm>
+          <a:prstGeom prst="rect"/>
+          <a:noFill/>
+        </p:spPr>
+      </p:pic>
+    </p:spTree>
+  </p:cSld>
+  <p:clrMapOvr>
+    <a:masterClrMapping/>
+  </p:clrMapOvr>
+  <mc:AlternateContent xmlns:mc="http://schemas.openxmlformats.org/markup-compatibility/2006">
+    <mc:Choice xmlns:p14="http://schemas.microsoft.com/office/powerpoint/2010/main" Requires="p14">
+      <p:transition spd="slow" p14:dur="2000"/>
+    </mc:Choice>
+    <mc:Fallback>
+      <p:transition spd="slow"/>
+    </mc:Fallback>
+  </mc:AlternateContent>
+  <p:timing>
+    <p:tnLst>
+      <p:par>
+        <p:cTn id="1" dur="indefinite" restart="never" nodeType="tmRoot"/>
+      </p:par>
+    </p:tnLst>
+  </p:timing>
+</p:sld>
+</file>
+
+<file path=ppt/slides/slide5.xml><?xml version="1.0" encoding="utf-8"?>
 <p:sld xmlns:a="http://schemas.openxmlformats.org/drawingml/2006/main" xmlns:r="http://schemas.openxmlformats.org/officeDocument/2006/relationships" xmlns:p="http://schemas.openxmlformats.org/presentationml/2006/main" xmlns:p14="http://schemas.microsoft.com/office/powerpoint/2010/main">
   <p:cSld>
     <p:spTree>
@@ -6197,9 +8057,9 @@
           <p:nvPr/>
         </p:nvSpPr>
         <p:spPr>
-          <a:xfrm rot="0">
+          <a:xfrm>
             <a:off x="1222375" y="1461135"/>
-            <a:ext cx="4157345" cy="4799965"/>
+            <a:ext cx="4157980" cy="4799965"/>
           </a:xfrm>
           <a:prstGeom prst="rect"/>
           <a:noFill/>
@@ -6240,7 +8100,21 @@
                 <a:latin typeface="맑은 고딕" charset="0"/>
                 <a:ea typeface="맑은 고딕" charset="0"/>
               </a:rPr>
-              <a:t>미리 특정한 메모리 크기를 설정하고 게임 오브젝트 생성 및 파괴 시 확보된 공간을 사용하고 회수하는 기법입니다.</a:t>
+              <a:t>미리 특정한 메모리 크기를 설정하고 </a:t>
+            </a:r>
+            <a:r>
+              <a:rPr lang="ko-KR" sz="1800">
+                <a:latin typeface="맑은 고딕" charset="0"/>
+                <a:ea typeface="맑은 고딕" charset="0"/>
+              </a:rPr>
+              <a:t>오브젝트를 사용하고 반납하는 </a:t>
+            </a:r>
+            <a:r>
+              <a:rPr lang="ko-KR" sz="1800">
+                <a:latin typeface="맑은 고딕" charset="0"/>
+                <a:ea typeface="맑은 고딕" charset="0"/>
+              </a:rPr>
+              <a:t> 기법입니다.</a:t>
             </a:r>
             <a:endParaRPr lang="ko-KR" altLang="en-US" sz="1800">
               <a:latin typeface="맑은 고딕" charset="0"/>
@@ -6347,7 +8221,49 @@
                 <a:latin typeface="맑은 고딕" charset="0"/>
                 <a:ea typeface="맑은 고딕" charset="0"/>
               </a:rPr>
-              <a:t>게임 오브젝트를 생성하고 파괴하는 과정을 반복하다 보면 메모리에 저장할 공간이 있어도 저장할 수 없는 메모리 단편화 현상이 발생할 수 있습니다.</a:t>
+              <a:t>게임 오브젝트를 생성하고 파괴하는 </a:t>
+            </a:r>
+            <a:r>
+              <a:rPr lang="ko-KR" sz="1800">
+                <a:latin typeface="맑은 고딕" charset="0"/>
+                <a:ea typeface="맑은 고딕" charset="0"/>
+              </a:rPr>
+              <a:t>작업</a:t>
+            </a:r>
+            <a:r>
+              <a:rPr lang="ko-KR" sz="1800">
+                <a:latin typeface="맑은 고딕" charset="0"/>
+                <a:ea typeface="맑은 고딕" charset="0"/>
+              </a:rPr>
+              <a:t>을 반복하다 보면 메모리에 저장할 </a:t>
+            </a:r>
+            <a:r>
+              <a:rPr lang="ko-KR" sz="1800">
+                <a:latin typeface="맑은 고딕" charset="0"/>
+                <a:ea typeface="맑은 고딕" charset="0"/>
+              </a:rPr>
+              <a:t>수 있는 </a:t>
+            </a:r>
+            <a:r>
+              <a:rPr lang="ko-KR" sz="1800">
+                <a:latin typeface="맑은 고딕" charset="0"/>
+                <a:ea typeface="맑은 고딕" charset="0"/>
+              </a:rPr>
+              <a:t>공간이 있어도 저장할 </a:t>
+            </a:r>
+            <a:r>
+              <a:rPr lang="ko-KR" sz="1800">
+                <a:latin typeface="맑은 고딕" charset="0"/>
+                <a:ea typeface="맑은 고딕" charset="0"/>
+              </a:rPr>
+              <a:t>수 없는 상황이</a:t>
+            </a:r>
+            <a:r>
+              <a:rPr lang="ko-KR" sz="1800">
+                <a:latin typeface="맑은 고딕" charset="0"/>
+                <a:ea typeface="맑은 고딕" charset="0"/>
+              </a:rPr>
+              <a:t> 발생할 수 있습니다.</a:t>
             </a:r>
             <a:endParaRPr lang="ko-KR" altLang="en-US" sz="1800">
               <a:latin typeface="맑은 고딕" charset="0"/>
@@ -6358,17 +8274,17 @@
       </p:sp>
       <p:pic>
         <p:nvPicPr>
-          <p:cNvPr id="1111" name="그림 11" descr="C:/Users/Admin1/AppData/Roaming/PolarisOffice/ETemp/4220_21810040/fImage405330606500.png"/>
+          <p:cNvPr id="1111" name="그림 11" descr="C:/Users/Admin1/AppData/Roaming/PolarisOffice/ETemp/18808_8120280/fImage405330606500.png"/>
           <p:cNvPicPr>
             <a:picLocks noChangeAspect="1"/>
           </p:cNvPicPr>
           <p:nvPr/>
         </p:nvPicPr>
         <p:blipFill rotWithShape="1">
-          <a:blip r:embed="rId12" cstate="print">
+          <a:blip r:embed="rId12" cstate="hqprint">
             <a:extLst>
               <a:ext uri="{28A0092B-C50C-407E-A947-70E740481C1C}">
-                <a14:useLocalDpi xmlns:a14="http://schemas.microsoft.com/office/drawing/2010/main" val="0"/>
+                <a14:useLocalDpi xmlns:a14="http://schemas.microsoft.com/office/drawing/2010/main"/>
               </a:ext>
             </a:extLst>
           </a:blip>
@@ -6379,7 +8295,7 @@
         <p:spPr>
           <a:xfrm rot="0">
             <a:off x="6808470" y="1471295"/>
-            <a:ext cx="4140200" cy="2918460"/>
+            <a:ext cx="4149090" cy="2611120"/>
           </a:xfrm>
           <a:prstGeom prst="roundRect"/>
           <a:solidFill>
@@ -6389,17 +8305,17 @@
       </p:pic>
       <p:pic>
         <p:nvPicPr>
-          <p:cNvPr id="1112" name="그림 20" descr="C:/Users/Admin1/AppData/Roaming/PolarisOffice/ETemp/4220_21810040/fImage141634639169.png"/>
+          <p:cNvPr id="1112" name="그림 20" descr="C:/Users/Admin1/AppData/Roaming/PolarisOffice/ETemp/18808_8120280/fImage141634639169.png"/>
           <p:cNvPicPr>
             <a:picLocks noChangeAspect="1"/>
           </p:cNvPicPr>
           <p:nvPr/>
         </p:nvPicPr>
         <p:blipFill rotWithShape="1">
-          <a:blip r:embed="rId13" cstate="print">
+          <a:blip r:embed="rId13" cstate="hqprint">
             <a:extLst>
               <a:ext uri="{28A0092B-C50C-407E-A947-70E740481C1C}">
-                <a14:useLocalDpi xmlns:a14="http://schemas.microsoft.com/office/drawing/2010/main" val="0"/>
+                <a14:useLocalDpi xmlns:a14="http://schemas.microsoft.com/office/drawing/2010/main"/>
               </a:ext>
             </a:extLst>
           </a:blip>
@@ -6409,8 +8325,8 @@
         </p:blipFill>
         <p:spPr>
           <a:xfrm rot="0">
-            <a:off x="1230630" y="2834005"/>
-            <a:ext cx="4148455" cy="2070735"/>
+            <a:off x="1230630" y="2792730"/>
+            <a:ext cx="4149090" cy="2134870"/>
           </a:xfrm>
           <a:prstGeom prst="roundRect"/>
           <a:solidFill>
